--- a/Diagram/SAE24 Présentation.pptx
+++ b/Diagram/SAE24 Présentation.pptx
@@ -4,6 +4,9 @@
   <p:sldMasterIdLst>
     <p:sldMasterId id="2147483738" r:id="rId1"/>
   </p:sldMasterIdLst>
+  <p:notesMasterIdLst>
+    <p:notesMasterId r:id="rId13"/>
+  </p:notesMasterIdLst>
   <p:sldIdLst>
     <p:sldId id="256" r:id="rId2"/>
     <p:sldId id="257" r:id="rId3"/>
@@ -13,8 +16,9 @@
     <p:sldId id="261" r:id="rId7"/>
     <p:sldId id="263" r:id="rId8"/>
     <p:sldId id="264" r:id="rId9"/>
-    <p:sldId id="262" r:id="rId10"/>
-    <p:sldId id="265" r:id="rId11"/>
+    <p:sldId id="266" r:id="rId10"/>
+    <p:sldId id="262" r:id="rId11"/>
+    <p:sldId id="265" r:id="rId12"/>
   </p:sldIdLst>
   <p:sldSz cx="12192000" cy="6858000"/>
   <p:notesSz cx="6858000" cy="9144000"/>
@@ -113,7 +117,361 @@
       </a:defRPr>
     </a:lvl9pPr>
   </p:defaultTextStyle>
+  <p:extLst>
+    <p:ext uri="{EFAFB233-063F-42B5-8137-9DF3F51BA10A}">
+      <p15:sldGuideLst xmlns:p15="http://schemas.microsoft.com/office/powerpoint/2012/main"/>
+    </p:ext>
+  </p:extLst>
 </p:presentation>
+</file>
+
+<file path=ppt/notesMasters/notesMaster1.xml><?xml version="1.0" encoding="utf-8"?>
+<p:notesMaster xmlns:a="http://schemas.openxmlformats.org/drawingml/2006/main" xmlns:r="http://schemas.openxmlformats.org/officeDocument/2006/relationships" xmlns:p="http://schemas.openxmlformats.org/presentationml/2006/main">
+  <p:cSld>
+    <p:bg>
+      <p:bgRef idx="1001">
+        <a:schemeClr val="bg1"/>
+      </p:bgRef>
+    </p:bg>
+    <p:spTree>
+      <p:nvGrpSpPr>
+        <p:cNvPr id="1" name=""/>
+        <p:cNvGrpSpPr/>
+        <p:nvPr/>
+      </p:nvGrpSpPr>
+      <p:grpSpPr>
+        <a:xfrm>
+          <a:off x="0" y="0"/>
+          <a:ext cx="0" cy="0"/>
+          <a:chOff x="0" y="0"/>
+          <a:chExt cx="0" cy="0"/>
+        </a:xfrm>
+      </p:grpSpPr>
+      <p:sp>
+        <p:nvSpPr>
+          <p:cNvPr id="2" name="Espace réservé de l'en-tête 1"/>
+          <p:cNvSpPr>
+            <a:spLocks noGrp="1"/>
+          </p:cNvSpPr>
+          <p:nvPr>
+            <p:ph type="hdr" sz="quarter"/>
+          </p:nvPr>
+        </p:nvSpPr>
+        <p:spPr>
+          <a:xfrm>
+            <a:off x="0" y="0"/>
+            <a:ext cx="2971800" cy="458788"/>
+          </a:xfrm>
+          <a:prstGeom prst="rect">
+            <a:avLst/>
+          </a:prstGeom>
+        </p:spPr>
+        <p:txBody>
+          <a:bodyPr vert="horz" lIns="91440" tIns="45720" rIns="91440" bIns="45720" rtlCol="0"/>
+          <a:lstStyle>
+            <a:lvl1pPr algn="l">
+              <a:defRPr sz="1200"/>
+            </a:lvl1pPr>
+          </a:lstStyle>
+          <a:p>
+            <a:endParaRPr lang="fr-FR"/>
+          </a:p>
+        </p:txBody>
+      </p:sp>
+      <p:sp>
+        <p:nvSpPr>
+          <p:cNvPr id="3" name="Espace réservé de la date 2"/>
+          <p:cNvSpPr>
+            <a:spLocks noGrp="1"/>
+          </p:cNvSpPr>
+          <p:nvPr>
+            <p:ph type="dt" idx="1"/>
+          </p:nvPr>
+        </p:nvSpPr>
+        <p:spPr>
+          <a:xfrm>
+            <a:off x="3884613" y="0"/>
+            <a:ext cx="2971800" cy="458788"/>
+          </a:xfrm>
+          <a:prstGeom prst="rect">
+            <a:avLst/>
+          </a:prstGeom>
+        </p:spPr>
+        <p:txBody>
+          <a:bodyPr vert="horz" lIns="91440" tIns="45720" rIns="91440" bIns="45720" rtlCol="0"/>
+          <a:lstStyle>
+            <a:lvl1pPr algn="r">
+              <a:defRPr sz="1200"/>
+            </a:lvl1pPr>
+          </a:lstStyle>
+          <a:p>
+            <a:fld id="{8AEBB2A4-4EBE-4A04-8361-A1A21F8B73A8}" type="datetimeFigureOut">
+              <a:rPr lang="fr-FR" smtClean="0"/>
+              <a:t>23/06/2022</a:t>
+            </a:fld>
+            <a:endParaRPr lang="fr-FR"/>
+          </a:p>
+        </p:txBody>
+      </p:sp>
+      <p:sp>
+        <p:nvSpPr>
+          <p:cNvPr id="4" name="Espace réservé de l'image des diapositives 3"/>
+          <p:cNvSpPr>
+            <a:spLocks noGrp="1" noRot="1" noChangeAspect="1"/>
+          </p:cNvSpPr>
+          <p:nvPr>
+            <p:ph type="sldImg" idx="2"/>
+          </p:nvPr>
+        </p:nvSpPr>
+        <p:spPr>
+          <a:xfrm>
+            <a:off x="685800" y="1143000"/>
+            <a:ext cx="5486400" cy="3086100"/>
+          </a:xfrm>
+          <a:prstGeom prst="rect">
+            <a:avLst/>
+          </a:prstGeom>
+          <a:noFill/>
+          <a:ln w="12700">
+            <a:solidFill>
+              <a:prstClr val="black"/>
+            </a:solidFill>
+          </a:ln>
+        </p:spPr>
+        <p:txBody>
+          <a:bodyPr vert="horz" lIns="91440" tIns="45720" rIns="91440" bIns="45720" rtlCol="0" anchor="ctr"/>
+          <a:lstStyle/>
+          <a:p>
+            <a:endParaRPr lang="fr-FR"/>
+          </a:p>
+        </p:txBody>
+      </p:sp>
+      <p:sp>
+        <p:nvSpPr>
+          <p:cNvPr id="5" name="Espace réservé des notes 4"/>
+          <p:cNvSpPr>
+            <a:spLocks noGrp="1"/>
+          </p:cNvSpPr>
+          <p:nvPr>
+            <p:ph type="body" sz="quarter" idx="3"/>
+          </p:nvPr>
+        </p:nvSpPr>
+        <p:spPr>
+          <a:xfrm>
+            <a:off x="685800" y="4400550"/>
+            <a:ext cx="5486400" cy="3600450"/>
+          </a:xfrm>
+          <a:prstGeom prst="rect">
+            <a:avLst/>
+          </a:prstGeom>
+        </p:spPr>
+        <p:txBody>
+          <a:bodyPr vert="horz" lIns="91440" tIns="45720" rIns="91440" bIns="45720" rtlCol="0"/>
+          <a:lstStyle/>
+          <a:p>
+            <a:pPr lvl="0"/>
+            <a:r>
+              <a:rPr lang="fr-FR"/>
+              <a:t>Cliquez pour modifier les styles du texte du masque</a:t>
+            </a:r>
+          </a:p>
+          <a:p>
+            <a:pPr lvl="1"/>
+            <a:r>
+              <a:rPr lang="fr-FR"/>
+              <a:t>Deuxième niveau</a:t>
+            </a:r>
+          </a:p>
+          <a:p>
+            <a:pPr lvl="2"/>
+            <a:r>
+              <a:rPr lang="fr-FR"/>
+              <a:t>Troisième niveau</a:t>
+            </a:r>
+          </a:p>
+          <a:p>
+            <a:pPr lvl="3"/>
+            <a:r>
+              <a:rPr lang="fr-FR"/>
+              <a:t>Quatrième niveau</a:t>
+            </a:r>
+          </a:p>
+          <a:p>
+            <a:pPr lvl="4"/>
+            <a:r>
+              <a:rPr lang="fr-FR"/>
+              <a:t>Cinquième niveau</a:t>
+            </a:r>
+          </a:p>
+        </p:txBody>
+      </p:sp>
+      <p:sp>
+        <p:nvSpPr>
+          <p:cNvPr id="6" name="Espace réservé du pied de page 5"/>
+          <p:cNvSpPr>
+            <a:spLocks noGrp="1"/>
+          </p:cNvSpPr>
+          <p:nvPr>
+            <p:ph type="ftr" sz="quarter" idx="4"/>
+          </p:nvPr>
+        </p:nvSpPr>
+        <p:spPr>
+          <a:xfrm>
+            <a:off x="0" y="8685213"/>
+            <a:ext cx="2971800" cy="458787"/>
+          </a:xfrm>
+          <a:prstGeom prst="rect">
+            <a:avLst/>
+          </a:prstGeom>
+        </p:spPr>
+        <p:txBody>
+          <a:bodyPr vert="horz" lIns="91440" tIns="45720" rIns="91440" bIns="45720" rtlCol="0" anchor="b"/>
+          <a:lstStyle>
+            <a:lvl1pPr algn="l">
+              <a:defRPr sz="1200"/>
+            </a:lvl1pPr>
+          </a:lstStyle>
+          <a:p>
+            <a:endParaRPr lang="fr-FR"/>
+          </a:p>
+        </p:txBody>
+      </p:sp>
+      <p:sp>
+        <p:nvSpPr>
+          <p:cNvPr id="7" name="Espace réservé du numéro de diapositive 6"/>
+          <p:cNvSpPr>
+            <a:spLocks noGrp="1"/>
+          </p:cNvSpPr>
+          <p:nvPr>
+            <p:ph type="sldNum" sz="quarter" idx="5"/>
+          </p:nvPr>
+        </p:nvSpPr>
+        <p:spPr>
+          <a:xfrm>
+            <a:off x="3884613" y="8685213"/>
+            <a:ext cx="2971800" cy="458787"/>
+          </a:xfrm>
+          <a:prstGeom prst="rect">
+            <a:avLst/>
+          </a:prstGeom>
+        </p:spPr>
+        <p:txBody>
+          <a:bodyPr vert="horz" lIns="91440" tIns="45720" rIns="91440" bIns="45720" rtlCol="0" anchor="b"/>
+          <a:lstStyle>
+            <a:lvl1pPr algn="r">
+              <a:defRPr sz="1200"/>
+            </a:lvl1pPr>
+          </a:lstStyle>
+          <a:p>
+            <a:fld id="{8F7AD1A7-14D1-421E-8566-34EA09B6912D}" type="slidenum">
+              <a:rPr lang="fr-FR" smtClean="0"/>
+              <a:t>‹N°›</a:t>
+            </a:fld>
+            <a:endParaRPr lang="fr-FR"/>
+          </a:p>
+        </p:txBody>
+      </p:sp>
+    </p:spTree>
+    <p:extLst>
+      <p:ext uri="{BB962C8B-B14F-4D97-AF65-F5344CB8AC3E}">
+        <p14:creationId xmlns:p14="http://schemas.microsoft.com/office/powerpoint/2010/main" val="644389797"/>
+      </p:ext>
+    </p:extLst>
+  </p:cSld>
+  <p:clrMap bg1="lt1" tx1="dk1" bg2="lt2" tx2="dk2" accent1="accent1" accent2="accent2" accent3="accent3" accent4="accent4" accent5="accent5" accent6="accent6" hlink="hlink" folHlink="folHlink"/>
+  <p:notesStyle>
+    <a:lvl1pPr marL="0" algn="l" defTabSz="914400" rtl="0" eaLnBrk="1" latinLnBrk="0" hangingPunct="1">
+      <a:defRPr sz="1200" kern="1200">
+        <a:solidFill>
+          <a:schemeClr val="tx1"/>
+        </a:solidFill>
+        <a:latin typeface="+mn-lt"/>
+        <a:ea typeface="+mn-ea"/>
+        <a:cs typeface="+mn-cs"/>
+      </a:defRPr>
+    </a:lvl1pPr>
+    <a:lvl2pPr marL="457200" algn="l" defTabSz="914400" rtl="0" eaLnBrk="1" latinLnBrk="0" hangingPunct="1">
+      <a:defRPr sz="1200" kern="1200">
+        <a:solidFill>
+          <a:schemeClr val="tx1"/>
+        </a:solidFill>
+        <a:latin typeface="+mn-lt"/>
+        <a:ea typeface="+mn-ea"/>
+        <a:cs typeface="+mn-cs"/>
+      </a:defRPr>
+    </a:lvl2pPr>
+    <a:lvl3pPr marL="914400" algn="l" defTabSz="914400" rtl="0" eaLnBrk="1" latinLnBrk="0" hangingPunct="1">
+      <a:defRPr sz="1200" kern="1200">
+        <a:solidFill>
+          <a:schemeClr val="tx1"/>
+        </a:solidFill>
+        <a:latin typeface="+mn-lt"/>
+        <a:ea typeface="+mn-ea"/>
+        <a:cs typeface="+mn-cs"/>
+      </a:defRPr>
+    </a:lvl3pPr>
+    <a:lvl4pPr marL="1371600" algn="l" defTabSz="914400" rtl="0" eaLnBrk="1" latinLnBrk="0" hangingPunct="1">
+      <a:defRPr sz="1200" kern="1200">
+        <a:solidFill>
+          <a:schemeClr val="tx1"/>
+        </a:solidFill>
+        <a:latin typeface="+mn-lt"/>
+        <a:ea typeface="+mn-ea"/>
+        <a:cs typeface="+mn-cs"/>
+      </a:defRPr>
+    </a:lvl4pPr>
+    <a:lvl5pPr marL="1828800" algn="l" defTabSz="914400" rtl="0" eaLnBrk="1" latinLnBrk="0" hangingPunct="1">
+      <a:defRPr sz="1200" kern="1200">
+        <a:solidFill>
+          <a:schemeClr val="tx1"/>
+        </a:solidFill>
+        <a:latin typeface="+mn-lt"/>
+        <a:ea typeface="+mn-ea"/>
+        <a:cs typeface="+mn-cs"/>
+      </a:defRPr>
+    </a:lvl5pPr>
+    <a:lvl6pPr marL="2286000" algn="l" defTabSz="914400" rtl="0" eaLnBrk="1" latinLnBrk="0" hangingPunct="1">
+      <a:defRPr sz="1200" kern="1200">
+        <a:solidFill>
+          <a:schemeClr val="tx1"/>
+        </a:solidFill>
+        <a:latin typeface="+mn-lt"/>
+        <a:ea typeface="+mn-ea"/>
+        <a:cs typeface="+mn-cs"/>
+      </a:defRPr>
+    </a:lvl6pPr>
+    <a:lvl7pPr marL="2743200" algn="l" defTabSz="914400" rtl="0" eaLnBrk="1" latinLnBrk="0" hangingPunct="1">
+      <a:defRPr sz="1200" kern="1200">
+        <a:solidFill>
+          <a:schemeClr val="tx1"/>
+        </a:solidFill>
+        <a:latin typeface="+mn-lt"/>
+        <a:ea typeface="+mn-ea"/>
+        <a:cs typeface="+mn-cs"/>
+      </a:defRPr>
+    </a:lvl7pPr>
+    <a:lvl8pPr marL="3200400" algn="l" defTabSz="914400" rtl="0" eaLnBrk="1" latinLnBrk="0" hangingPunct="1">
+      <a:defRPr sz="1200" kern="1200">
+        <a:solidFill>
+          <a:schemeClr val="tx1"/>
+        </a:solidFill>
+        <a:latin typeface="+mn-lt"/>
+        <a:ea typeface="+mn-ea"/>
+        <a:cs typeface="+mn-cs"/>
+      </a:defRPr>
+    </a:lvl8pPr>
+    <a:lvl9pPr marL="3657600" algn="l" defTabSz="914400" rtl="0" eaLnBrk="1" latinLnBrk="0" hangingPunct="1">
+      <a:defRPr sz="1200" kern="1200">
+        <a:solidFill>
+          <a:schemeClr val="tx1"/>
+        </a:solidFill>
+        <a:latin typeface="+mn-lt"/>
+        <a:ea typeface="+mn-ea"/>
+        <a:cs typeface="+mn-cs"/>
+      </a:defRPr>
+    </a:lvl9pPr>
+  </p:notesStyle>
+</p:notesMaster>
 </file>
 
 <file path=ppt/slideLayouts/slideLayout1.xml><?xml version="1.0" encoding="utf-8"?>
@@ -267,9 +625,9 @@
           <a:bodyPr/>
           <a:lstStyle/>
           <a:p>
-            <a:fld id="{79C5A860-F335-4252-AA00-24FB67ED2982}" type="datetime1">
+            <a:fld id="{D847EF5C-8957-48FF-B6F9-6274D79A4D6B}" type="datetime1">
               <a:rPr lang="en-US" smtClean="0"/>
-              <a:t>6/21/2022</a:t>
+              <a:t>6/23/2022</a:t>
             </a:fld>
             <a:endParaRPr lang="en-US"/>
           </a:p>
@@ -339,6 +697,18 @@
   <p:clrMapOvr>
     <a:masterClrMapping/>
   </p:clrMapOvr>
+  <mc:AlternateContent xmlns:mc="http://schemas.openxmlformats.org/markup-compatibility/2006">
+    <mc:Choice xmlns:p14="http://schemas.microsoft.com/office/powerpoint/2010/main" Requires="p14">
+      <p:transition spd="med" p14:dur="700">
+        <p:fade/>
+      </p:transition>
+    </mc:Choice>
+    <mc:Fallback>
+      <p:transition spd="med">
+        <p:fade/>
+      </p:transition>
+    </mc:Fallback>
+  </mc:AlternateContent>
 </p:sldLayout>
 </file>
 
@@ -466,9 +836,9 @@
           <a:bodyPr/>
           <a:lstStyle/>
           <a:p>
-            <a:fld id="{46AB1048-0047-48CA-88BA-D69B470942CF}" type="datetime1">
+            <a:fld id="{5FBCC1AC-EB94-495F-B8C9-0F5EBF2EA9CD}" type="datetime1">
               <a:rPr lang="en-US" smtClean="0"/>
-              <a:t>6/21/2022</a:t>
+              <a:t>6/23/2022</a:t>
             </a:fld>
             <a:endParaRPr lang="en-US"/>
           </a:p>
@@ -538,6 +908,18 @@
   <p:clrMapOvr>
     <a:masterClrMapping/>
   </p:clrMapOvr>
+  <mc:AlternateContent xmlns:mc="http://schemas.openxmlformats.org/markup-compatibility/2006">
+    <mc:Choice xmlns:p14="http://schemas.microsoft.com/office/powerpoint/2010/main" Requires="p14">
+      <p:transition spd="med" p14:dur="700">
+        <p:fade/>
+      </p:transition>
+    </mc:Choice>
+    <mc:Fallback>
+      <p:transition spd="med">
+        <p:fade/>
+      </p:transition>
+    </mc:Fallback>
+  </mc:AlternateContent>
 </p:sldLayout>
 </file>
 
@@ -676,9 +1058,9 @@
           <a:bodyPr/>
           <a:lstStyle/>
           <a:p>
-            <a:fld id="{5BD83879-648C-49A9-81A2-0EF5946532D0}" type="datetime1">
+            <a:fld id="{F0F999F7-ACBC-4C63-B660-01F0A61CE135}" type="datetime1">
               <a:rPr lang="en-US" smtClean="0"/>
-              <a:t>6/21/2022</a:t>
+              <a:t>6/23/2022</a:t>
             </a:fld>
             <a:endParaRPr lang="en-US"/>
           </a:p>
@@ -748,6 +1130,18 @@
   <p:clrMapOvr>
     <a:masterClrMapping/>
   </p:clrMapOvr>
+  <mc:AlternateContent xmlns:mc="http://schemas.openxmlformats.org/markup-compatibility/2006">
+    <mc:Choice xmlns:p14="http://schemas.microsoft.com/office/powerpoint/2010/main" Requires="p14">
+      <p:transition spd="med" p14:dur="700">
+        <p:fade/>
+      </p:transition>
+    </mc:Choice>
+    <mc:Fallback>
+      <p:transition spd="med">
+        <p:fade/>
+      </p:transition>
+    </mc:Fallback>
+  </mc:AlternateContent>
 </p:sldLayout>
 </file>
 
@@ -874,9 +1268,9 @@
           <a:bodyPr/>
           <a:lstStyle/>
           <a:p>
-            <a:fld id="{D04BC802-30E3-4658-9CCA-F873646FEC67}" type="datetime1">
+            <a:fld id="{9FC66C51-AE74-491F-9108-65106AA4390C}" type="datetime1">
               <a:rPr lang="en-US" smtClean="0"/>
-              <a:t>6/21/2022</a:t>
+              <a:t>6/23/2022</a:t>
             </a:fld>
             <a:endParaRPr lang="en-US"/>
           </a:p>
@@ -946,6 +1340,18 @@
   <p:clrMapOvr>
     <a:masterClrMapping/>
   </p:clrMapOvr>
+  <mc:AlternateContent xmlns:mc="http://schemas.openxmlformats.org/markup-compatibility/2006">
+    <mc:Choice xmlns:p14="http://schemas.microsoft.com/office/powerpoint/2010/main" Requires="p14">
+      <p:transition spd="med" p14:dur="700">
+        <p:fade/>
+      </p:transition>
+    </mc:Choice>
+    <mc:Fallback>
+      <p:transition spd="med">
+        <p:fade/>
+      </p:transition>
+    </mc:Fallback>
+  </mc:AlternateContent>
 </p:sldLayout>
 </file>
 
@@ -1152,9 +1558,9 @@
           <a:bodyPr/>
           <a:lstStyle/>
           <a:p>
-            <a:fld id="{0AB227A3-19CE-4153-81CE-64EB7AB094B3}" type="datetime1">
+            <a:fld id="{B8E1585F-A6E3-4D4B-9E9D-EE131FE1D6DA}" type="datetime1">
               <a:rPr lang="en-US" smtClean="0"/>
-              <a:t>6/21/2022</a:t>
+              <a:t>6/23/2022</a:t>
             </a:fld>
             <a:endParaRPr lang="en-US"/>
           </a:p>
@@ -1224,6 +1630,18 @@
   <p:clrMapOvr>
     <a:masterClrMapping/>
   </p:clrMapOvr>
+  <mc:AlternateContent xmlns:mc="http://schemas.openxmlformats.org/markup-compatibility/2006">
+    <mc:Choice xmlns:p14="http://schemas.microsoft.com/office/powerpoint/2010/main" Requires="p14">
+      <p:transition spd="med" p14:dur="700">
+        <p:fade/>
+      </p:transition>
+    </mc:Choice>
+    <mc:Fallback>
+      <p:transition spd="med">
+        <p:fade/>
+      </p:transition>
+    </mc:Fallback>
+  </mc:AlternateContent>
 </p:sldLayout>
 </file>
 
@@ -1419,9 +1837,9 @@
           <a:bodyPr/>
           <a:lstStyle/>
           <a:p>
-            <a:fld id="{B819A100-10F6-477E-8847-29D479EF1C92}" type="datetime1">
+            <a:fld id="{49F89A8F-B850-45C3-A296-5B12B3E05237}" type="datetime1">
               <a:rPr lang="en-US" smtClean="0"/>
-              <a:t>6/21/2022</a:t>
+              <a:t>6/23/2022</a:t>
             </a:fld>
             <a:endParaRPr lang="en-US"/>
           </a:p>
@@ -1491,6 +1909,18 @@
   <p:clrMapOvr>
     <a:masterClrMapping/>
   </p:clrMapOvr>
+  <mc:AlternateContent xmlns:mc="http://schemas.openxmlformats.org/markup-compatibility/2006">
+    <mc:Choice xmlns:p14="http://schemas.microsoft.com/office/powerpoint/2010/main" Requires="p14">
+      <p:transition spd="med" p14:dur="700">
+        <p:fade/>
+      </p:transition>
+    </mc:Choice>
+    <mc:Fallback>
+      <p:transition spd="med">
+        <p:fade/>
+      </p:transition>
+    </mc:Fallback>
+  </mc:AlternateContent>
 </p:sldLayout>
 </file>
 
@@ -1833,9 +2263,9 @@
           <a:bodyPr/>
           <a:lstStyle/>
           <a:p>
-            <a:fld id="{5DF128AB-198A-495F-8475-FDB360C9873F}" type="datetime1">
+            <a:fld id="{63340F96-0F09-43AA-BEE2-D8C5FDA5DB08}" type="datetime1">
               <a:rPr lang="en-US" smtClean="0"/>
-              <a:t>6/21/2022</a:t>
+              <a:t>6/23/2022</a:t>
             </a:fld>
             <a:endParaRPr lang="en-US"/>
           </a:p>
@@ -1905,6 +2335,18 @@
   <p:clrMapOvr>
     <a:masterClrMapping/>
   </p:clrMapOvr>
+  <mc:AlternateContent xmlns:mc="http://schemas.openxmlformats.org/markup-compatibility/2006">
+    <mc:Choice xmlns:p14="http://schemas.microsoft.com/office/powerpoint/2010/main" Requires="p14">
+      <p:transition spd="med" p14:dur="700">
+        <p:fade/>
+      </p:transition>
+    </mc:Choice>
+    <mc:Fallback>
+      <p:transition spd="med">
+        <p:fade/>
+      </p:transition>
+    </mc:Fallback>
+  </mc:AlternateContent>
 </p:sldLayout>
 </file>
 
@@ -1974,9 +2416,9 @@
           <a:bodyPr/>
           <a:lstStyle/>
           <a:p>
-            <a:fld id="{021A235E-F8FD-479F-9FC7-18BE84110877}" type="datetime1">
+            <a:fld id="{1395B0CC-B1E3-4E28-A08D-00600CE2C310}" type="datetime1">
               <a:rPr lang="en-US" smtClean="0"/>
-              <a:t>6/21/2022</a:t>
+              <a:t>6/23/2022</a:t>
             </a:fld>
             <a:endParaRPr lang="en-US"/>
           </a:p>
@@ -2046,6 +2488,18 @@
   <p:clrMapOvr>
     <a:masterClrMapping/>
   </p:clrMapOvr>
+  <mc:AlternateContent xmlns:mc="http://schemas.openxmlformats.org/markup-compatibility/2006">
+    <mc:Choice xmlns:p14="http://schemas.microsoft.com/office/powerpoint/2010/main" Requires="p14">
+      <p:transition spd="med" p14:dur="700">
+        <p:fade/>
+      </p:transition>
+    </mc:Choice>
+    <mc:Fallback>
+      <p:transition spd="med">
+        <p:fade/>
+      </p:transition>
+    </mc:Fallback>
+  </mc:AlternateContent>
 </p:sldLayout>
 </file>
 
@@ -2087,9 +2541,9 @@
           <a:bodyPr/>
           <a:lstStyle/>
           <a:p>
-            <a:fld id="{E890F09B-68DA-462E-9DB4-4C9ADAB8CBCC}" type="datetime1">
+            <a:fld id="{7ACCA1EA-536D-4644-8F2D-2BC4C9D615BD}" type="datetime1">
               <a:rPr lang="en-US" smtClean="0"/>
-              <a:t>6/21/2022</a:t>
+              <a:t>6/23/2022</a:t>
             </a:fld>
             <a:endParaRPr lang="en-US"/>
           </a:p>
@@ -2159,6 +2613,18 @@
   <p:clrMapOvr>
     <a:masterClrMapping/>
   </p:clrMapOvr>
+  <mc:AlternateContent xmlns:mc="http://schemas.openxmlformats.org/markup-compatibility/2006">
+    <mc:Choice xmlns:p14="http://schemas.microsoft.com/office/powerpoint/2010/main" Requires="p14">
+      <p:transition spd="med" p14:dur="700">
+        <p:fade/>
+      </p:transition>
+    </mc:Choice>
+    <mc:Fallback>
+      <p:transition spd="med">
+        <p:fade/>
+      </p:transition>
+    </mc:Fallback>
+  </mc:AlternateContent>
 </p:sldLayout>
 </file>
 
@@ -2406,9 +2872,9 @@
           <a:bodyPr/>
           <a:lstStyle/>
           <a:p>
-            <a:fld id="{17AC4E36-FABE-47EB-AA7F-C19A93824617}" type="datetime1">
+            <a:fld id="{588122AA-C047-4670-8BF1-75CAE2694C97}" type="datetime1">
               <a:rPr lang="en-US" smtClean="0"/>
-              <a:t>6/21/2022</a:t>
+              <a:t>6/23/2022</a:t>
             </a:fld>
             <a:endParaRPr lang="en-US"/>
           </a:p>
@@ -2478,6 +2944,18 @@
   <p:clrMapOvr>
     <a:masterClrMapping/>
   </p:clrMapOvr>
+  <mc:AlternateContent xmlns:mc="http://schemas.openxmlformats.org/markup-compatibility/2006">
+    <mc:Choice xmlns:p14="http://schemas.microsoft.com/office/powerpoint/2010/main" Requires="p14">
+      <p:transition spd="med" p14:dur="700">
+        <p:fade/>
+      </p:transition>
+    </mc:Choice>
+    <mc:Fallback>
+      <p:transition spd="med">
+        <p:fade/>
+      </p:transition>
+    </mc:Fallback>
+  </mc:AlternateContent>
 </p:sldLayout>
 </file>
 
@@ -2703,9 +3181,9 @@
           <a:bodyPr/>
           <a:lstStyle/>
           <a:p>
-            <a:fld id="{F199CE6B-5DE6-4A2D-B72E-5E8969F9F56F}" type="datetime1">
+            <a:fld id="{E8F88639-CCA4-4709-AFB2-CA608FA69244}" type="datetime1">
               <a:rPr lang="en-US" smtClean="0"/>
-              <a:t>6/21/2022</a:t>
+              <a:t>6/23/2022</a:t>
             </a:fld>
             <a:endParaRPr lang="en-US"/>
           </a:p>
@@ -2775,6 +3253,18 @@
   <p:clrMapOvr>
     <a:masterClrMapping/>
   </p:clrMapOvr>
+  <mc:AlternateContent xmlns:mc="http://schemas.openxmlformats.org/markup-compatibility/2006">
+    <mc:Choice xmlns:p14="http://schemas.microsoft.com/office/powerpoint/2010/main" Requires="p14">
+      <p:transition spd="med" p14:dur="700">
+        <p:fade/>
+      </p:transition>
+    </mc:Choice>
+    <mc:Fallback>
+      <p:transition spd="med">
+        <p:fade/>
+      </p:transition>
+    </mc:Fallback>
+  </mc:AlternateContent>
 </p:sldLayout>
 </file>
 
@@ -3561,9 +4051,9 @@
             </a:lvl1pPr>
           </a:lstStyle>
           <a:p>
-            <a:fld id="{F481A142-DA77-4A5F-AD1F-14E6C18F0F5F}" type="datetime1">
+            <a:fld id="{8F55CF41-A30E-4C94-8D4D-E739643C82EC}" type="datetime1">
               <a:rPr lang="en-US" smtClean="0"/>
-              <a:t>6/21/2022</a:t>
+              <a:t>6/23/2022</a:t>
             </a:fld>
             <a:endParaRPr lang="en-US" dirty="0"/>
           </a:p>
@@ -3683,7 +4173,19 @@
     <p:sldLayoutId id="2147483730" r:id="rId10"/>
     <p:sldLayoutId id="2147483732" r:id="rId11"/>
   </p:sldLayoutIdLst>
-  <p:hf sldNum="0" hdr="0" ftr="0" dt="0"/>
+  <mc:AlternateContent xmlns:mc="http://schemas.openxmlformats.org/markup-compatibility/2006">
+    <mc:Choice xmlns:p14="http://schemas.microsoft.com/office/powerpoint/2010/main" Requires="p14">
+      <p:transition spd="med" p14:dur="700">
+        <p:fade/>
+      </p:transition>
+    </mc:Choice>
+    <mc:Fallback>
+      <p:transition spd="med">
+        <p:fade/>
+      </p:transition>
+    </mc:Fallback>
+  </mc:AlternateContent>
+  <p:hf hdr="0" ftr="0" dt="0"/>
   <p:txStyles>
     <p:titleStyle>
       <a:lvl1pPr algn="l" defTabSz="914400" rtl="0" eaLnBrk="1" latinLnBrk="0" hangingPunct="1">
@@ -4509,6 +5011,35 @@
           </a:extLst>
         </p:spPr>
       </p:pic>
+      <p:sp>
+        <p:nvSpPr>
+          <p:cNvPr id="6" name="Espace réservé du numéro de diapositive 5">
+            <a:extLst>
+              <a:ext uri="{FF2B5EF4-FFF2-40B4-BE49-F238E27FC236}">
+                <a16:creationId xmlns:a16="http://schemas.microsoft.com/office/drawing/2014/main" id="{7E004093-D071-1599-9155-7EB0D41B07CB}"/>
+              </a:ext>
+            </a:extLst>
+          </p:cNvPr>
+          <p:cNvSpPr>
+            <a:spLocks noGrp="1"/>
+          </p:cNvSpPr>
+          <p:nvPr>
+            <p:ph type="sldNum" sz="quarter" idx="12"/>
+          </p:nvPr>
+        </p:nvSpPr>
+        <p:spPr/>
+        <p:txBody>
+          <a:bodyPr/>
+          <a:lstStyle/>
+          <a:p>
+            <a:fld id="{1F646F3F-274D-499B-ABBE-824EB4ABDC3D}" type="slidenum">
+              <a:rPr lang="en-US" smtClean="0"/>
+              <a:t>1</a:t>
+            </a:fld>
+            <a:endParaRPr lang="en-US"/>
+          </a:p>
+        </p:txBody>
+      </p:sp>
     </p:spTree>
     <p:extLst>
       <p:ext uri="{BB962C8B-B14F-4D97-AF65-F5344CB8AC3E}">
@@ -4519,1195 +5050,22 @@
   <p:clrMapOvr>
     <a:overrideClrMapping bg1="dk1" tx1="lt1" bg2="dk2" tx2="lt2" accent1="accent1" accent2="accent2" accent3="accent3" accent4="accent4" accent5="accent5" accent6="accent6" hlink="hlink" folHlink="folHlink"/>
   </p:clrMapOvr>
+  <mc:AlternateContent xmlns:mc="http://schemas.openxmlformats.org/markup-compatibility/2006">
+    <mc:Choice xmlns:p14="http://schemas.microsoft.com/office/powerpoint/2010/main" Requires="p14">
+      <p:transition spd="med" p14:dur="700">
+        <p:fade/>
+      </p:transition>
+    </mc:Choice>
+    <mc:Fallback>
+      <p:transition spd="med">
+        <p:fade/>
+      </p:transition>
+    </mc:Fallback>
+  </mc:AlternateContent>
 </p:sld>
 </file>
 
 <file path=ppt/slides/slide10.xml><?xml version="1.0" encoding="utf-8"?>
-<p:sld xmlns:a="http://schemas.openxmlformats.org/drawingml/2006/main" xmlns:r="http://schemas.openxmlformats.org/officeDocument/2006/relationships" xmlns:p="http://schemas.openxmlformats.org/presentationml/2006/main">
-  <p:cSld>
-    <p:spTree>
-      <p:nvGrpSpPr>
-        <p:cNvPr id="1" name=""/>
-        <p:cNvGrpSpPr/>
-        <p:nvPr/>
-      </p:nvGrpSpPr>
-      <p:grpSpPr>
-        <a:xfrm>
-          <a:off x="0" y="0"/>
-          <a:ext cx="0" cy="0"/>
-          <a:chOff x="0" y="0"/>
-          <a:chExt cx="0" cy="0"/>
-        </a:xfrm>
-      </p:grpSpPr>
-      <p:sp>
-        <p:nvSpPr>
-          <p:cNvPr id="2" name="Titre 1">
-            <a:extLst>
-              <a:ext uri="{FF2B5EF4-FFF2-40B4-BE49-F238E27FC236}">
-                <a16:creationId xmlns:a16="http://schemas.microsoft.com/office/drawing/2014/main" id="{563BCD19-97A5-3D8D-B99D-BF76EA73EB55}"/>
-              </a:ext>
-            </a:extLst>
-          </p:cNvPr>
-          <p:cNvSpPr>
-            <a:spLocks noGrp="1"/>
-          </p:cNvSpPr>
-          <p:nvPr>
-            <p:ph type="title"/>
-          </p:nvPr>
-        </p:nvSpPr>
-        <p:spPr/>
-        <p:txBody>
-          <a:bodyPr/>
-          <a:lstStyle/>
-          <a:p>
-            <a:r>
-              <a:rPr lang="fr-FR" dirty="0"/>
-              <a:t>Conclusion</a:t>
-            </a:r>
-          </a:p>
-        </p:txBody>
-      </p:sp>
-      <p:sp>
-        <p:nvSpPr>
-          <p:cNvPr id="3" name="Espace réservé du contenu 2">
-            <a:extLst>
-              <a:ext uri="{FF2B5EF4-FFF2-40B4-BE49-F238E27FC236}">
-                <a16:creationId xmlns:a16="http://schemas.microsoft.com/office/drawing/2014/main" id="{C63EDFDE-97D5-3328-BCEB-C920057EF489}"/>
-              </a:ext>
-            </a:extLst>
-          </p:cNvPr>
-          <p:cNvSpPr>
-            <a:spLocks noGrp="1"/>
-          </p:cNvSpPr>
-          <p:nvPr>
-            <p:ph idx="1"/>
-          </p:nvPr>
-        </p:nvSpPr>
-        <p:spPr/>
-        <p:txBody>
-          <a:bodyPr/>
-          <a:lstStyle/>
-          <a:p>
-            <a:pPr marL="342900" indent="-342900">
-              <a:buFont typeface="Arial" panose="020B0604020202020204" pitchFamily="34" charset="0"/>
-              <a:buChar char="•"/>
-            </a:pPr>
-            <a:r>
-              <a:rPr lang="fr-FR" dirty="0"/>
-              <a:t>Localisation de l’objet dans la pièce </a:t>
-            </a:r>
-          </a:p>
-          <a:p>
-            <a:pPr marL="342900" indent="-342900">
-              <a:buFont typeface="Arial" panose="020B0604020202020204" pitchFamily="34" charset="0"/>
-              <a:buChar char="•"/>
-            </a:pPr>
-            <a:r>
-              <a:rPr lang="fr-FR" dirty="0"/>
-              <a:t>Prise en compte des différents scénarios de panne </a:t>
-            </a:r>
-          </a:p>
-          <a:p>
-            <a:pPr marL="342900" indent="-342900">
-              <a:buFont typeface="Arial" panose="020B0604020202020204" pitchFamily="34" charset="0"/>
-              <a:buChar char="•"/>
-            </a:pPr>
-            <a:r>
-              <a:rPr lang="fr-FR" dirty="0"/>
-              <a:t>Interface dynamique avec gestion des positions et potentiels messages d’erreurs </a:t>
-            </a:r>
-          </a:p>
-        </p:txBody>
-      </p:sp>
-    </p:spTree>
-    <p:extLst>
-      <p:ext uri="{BB962C8B-B14F-4D97-AF65-F5344CB8AC3E}">
-        <p14:creationId xmlns:p14="http://schemas.microsoft.com/office/powerpoint/2010/main" val="1483983423"/>
-      </p:ext>
-    </p:extLst>
-  </p:cSld>
-  <p:clrMapOvr>
-    <a:masterClrMapping/>
-  </p:clrMapOvr>
-</p:sld>
-</file>
-
-<file path=ppt/slides/slide2.xml><?xml version="1.0" encoding="utf-8"?>
-<p:sld xmlns:a="http://schemas.openxmlformats.org/drawingml/2006/main" xmlns:r="http://schemas.openxmlformats.org/officeDocument/2006/relationships" xmlns:p="http://schemas.openxmlformats.org/presentationml/2006/main">
-  <p:cSld>
-    <p:spTree>
-      <p:nvGrpSpPr>
-        <p:cNvPr id="1" name=""/>
-        <p:cNvGrpSpPr/>
-        <p:nvPr/>
-      </p:nvGrpSpPr>
-      <p:grpSpPr>
-        <a:xfrm>
-          <a:off x="0" y="0"/>
-          <a:ext cx="0" cy="0"/>
-          <a:chOff x="0" y="0"/>
-          <a:chExt cx="0" cy="0"/>
-        </a:xfrm>
-      </p:grpSpPr>
-      <p:sp>
-        <p:nvSpPr>
-          <p:cNvPr id="2" name="Titre 1">
-            <a:extLst>
-              <a:ext uri="{FF2B5EF4-FFF2-40B4-BE49-F238E27FC236}">
-                <a16:creationId xmlns:a16="http://schemas.microsoft.com/office/drawing/2014/main" id="{1C69AD53-D34A-8F48-099E-436032A2652C}"/>
-              </a:ext>
-            </a:extLst>
-          </p:cNvPr>
-          <p:cNvSpPr>
-            <a:spLocks noGrp="1"/>
-          </p:cNvSpPr>
-          <p:nvPr>
-            <p:ph type="title"/>
-          </p:nvPr>
-        </p:nvSpPr>
-        <p:spPr/>
-        <p:txBody>
-          <a:bodyPr/>
-          <a:lstStyle/>
-          <a:p>
-            <a:r>
-              <a:rPr lang="fr-FR" dirty="0"/>
-              <a:t>Sommaire</a:t>
-            </a:r>
-          </a:p>
-        </p:txBody>
-      </p:sp>
-      <p:sp>
-        <p:nvSpPr>
-          <p:cNvPr id="3" name="Espace réservé du contenu 2">
-            <a:extLst>
-              <a:ext uri="{FF2B5EF4-FFF2-40B4-BE49-F238E27FC236}">
-                <a16:creationId xmlns:a16="http://schemas.microsoft.com/office/drawing/2014/main" id="{BF534AE4-A4A9-AD9F-C0F7-DFF6A035C397}"/>
-              </a:ext>
-            </a:extLst>
-          </p:cNvPr>
-          <p:cNvSpPr>
-            <a:spLocks noGrp="1"/>
-          </p:cNvSpPr>
-          <p:nvPr>
-            <p:ph idx="1"/>
-          </p:nvPr>
-        </p:nvSpPr>
-        <p:spPr/>
-        <p:txBody>
-          <a:bodyPr/>
-          <a:lstStyle/>
-          <a:p>
-            <a:pPr marL="342900" indent="-342900">
-              <a:buFont typeface="Arial" panose="020B0604020202020204" pitchFamily="34" charset="0"/>
-              <a:buChar char="•"/>
-            </a:pPr>
-            <a:r>
-              <a:rPr lang="fr-FR" dirty="0"/>
-              <a:t>Contexte</a:t>
-            </a:r>
-          </a:p>
-          <a:p>
-            <a:pPr marL="342900" indent="-342900">
-              <a:buFont typeface="Arial" panose="020B0604020202020204" pitchFamily="34" charset="0"/>
-              <a:buChar char="•"/>
-            </a:pPr>
-            <a:r>
-              <a:rPr lang="fr-FR" dirty="0"/>
-              <a:t>Principe</a:t>
-            </a:r>
-          </a:p>
-          <a:p>
-            <a:pPr marL="342900" indent="-342900">
-              <a:buFont typeface="Arial" panose="020B0604020202020204" pitchFamily="34" charset="0"/>
-              <a:buChar char="•"/>
-            </a:pPr>
-            <a:r>
-              <a:rPr lang="fr-FR" dirty="0"/>
-              <a:t>Moyens techniques</a:t>
-            </a:r>
-          </a:p>
-          <a:p>
-            <a:pPr marL="342900" indent="-342900">
-              <a:buFont typeface="Arial" panose="020B0604020202020204" pitchFamily="34" charset="0"/>
-              <a:buChar char="•"/>
-            </a:pPr>
-            <a:r>
-              <a:rPr lang="fr-FR" dirty="0"/>
-              <a:t>Workflow</a:t>
-            </a:r>
-          </a:p>
-          <a:p>
-            <a:pPr marL="342900" indent="-342900">
-              <a:buFont typeface="Arial" panose="020B0604020202020204" pitchFamily="34" charset="0"/>
-              <a:buChar char="•"/>
-            </a:pPr>
-            <a:r>
-              <a:rPr lang="fr-FR" dirty="0"/>
-              <a:t>Fonctionnement</a:t>
-            </a:r>
-          </a:p>
-          <a:p>
-            <a:pPr marL="342900" indent="-342900">
-              <a:buFont typeface="Arial" panose="020B0604020202020204" pitchFamily="34" charset="0"/>
-              <a:buChar char="•"/>
-            </a:pPr>
-            <a:r>
-              <a:rPr lang="fr-FR" dirty="0"/>
-              <a:t>Démonstration </a:t>
-            </a:r>
-          </a:p>
-          <a:p>
-            <a:pPr marL="342900" indent="-342900">
-              <a:buFont typeface="Arial" panose="020B0604020202020204" pitchFamily="34" charset="0"/>
-              <a:buChar char="•"/>
-            </a:pPr>
-            <a:r>
-              <a:rPr lang="fr-FR" dirty="0"/>
-              <a:t>Conclusion</a:t>
-            </a:r>
-          </a:p>
-          <a:p>
-            <a:pPr marL="342900" indent="-342900">
-              <a:buFont typeface="Arial" panose="020B0604020202020204" pitchFamily="34" charset="0"/>
-              <a:buChar char="•"/>
-            </a:pPr>
-            <a:endParaRPr lang="fr-FR" dirty="0"/>
-          </a:p>
-        </p:txBody>
-      </p:sp>
-    </p:spTree>
-    <p:extLst>
-      <p:ext uri="{BB962C8B-B14F-4D97-AF65-F5344CB8AC3E}">
-        <p14:creationId xmlns:p14="http://schemas.microsoft.com/office/powerpoint/2010/main" val="3432388174"/>
-      </p:ext>
-    </p:extLst>
-  </p:cSld>
-  <p:clrMapOvr>
-    <a:masterClrMapping/>
-  </p:clrMapOvr>
-</p:sld>
-</file>
-
-<file path=ppt/slides/slide3.xml><?xml version="1.0" encoding="utf-8"?>
-<p:sld xmlns:a="http://schemas.openxmlformats.org/drawingml/2006/main" xmlns:r="http://schemas.openxmlformats.org/officeDocument/2006/relationships" xmlns:p="http://schemas.openxmlformats.org/presentationml/2006/main">
-  <p:cSld>
-    <p:spTree>
-      <p:nvGrpSpPr>
-        <p:cNvPr id="1" name=""/>
-        <p:cNvGrpSpPr/>
-        <p:nvPr/>
-      </p:nvGrpSpPr>
-      <p:grpSpPr>
-        <a:xfrm>
-          <a:off x="0" y="0"/>
-          <a:ext cx="0" cy="0"/>
-          <a:chOff x="0" y="0"/>
-          <a:chExt cx="0" cy="0"/>
-        </a:xfrm>
-      </p:grpSpPr>
-      <p:sp>
-        <p:nvSpPr>
-          <p:cNvPr id="2" name="Titre 1">
-            <a:extLst>
-              <a:ext uri="{FF2B5EF4-FFF2-40B4-BE49-F238E27FC236}">
-                <a16:creationId xmlns:a16="http://schemas.microsoft.com/office/drawing/2014/main" id="{A8243D4F-55ED-E7B5-2C3B-05E8568A93D3}"/>
-              </a:ext>
-            </a:extLst>
-          </p:cNvPr>
-          <p:cNvSpPr>
-            <a:spLocks noGrp="1"/>
-          </p:cNvSpPr>
-          <p:nvPr>
-            <p:ph type="title"/>
-          </p:nvPr>
-        </p:nvSpPr>
-        <p:spPr/>
-        <p:txBody>
-          <a:bodyPr/>
-          <a:lstStyle/>
-          <a:p>
-            <a:r>
-              <a:rPr lang="fr-FR" dirty="0"/>
-              <a:t>Contexte</a:t>
-            </a:r>
-          </a:p>
-        </p:txBody>
-      </p:sp>
-      <p:sp>
-        <p:nvSpPr>
-          <p:cNvPr id="3" name="Espace réservé du contenu 2">
-            <a:extLst>
-              <a:ext uri="{FF2B5EF4-FFF2-40B4-BE49-F238E27FC236}">
-                <a16:creationId xmlns:a16="http://schemas.microsoft.com/office/drawing/2014/main" id="{AA9A76EC-2214-EC6D-5113-7C81B88EB389}"/>
-              </a:ext>
-            </a:extLst>
-          </p:cNvPr>
-          <p:cNvSpPr>
-            <a:spLocks noGrp="1"/>
-          </p:cNvSpPr>
-          <p:nvPr>
-            <p:ph idx="1"/>
-          </p:nvPr>
-        </p:nvSpPr>
-        <p:spPr>
-          <a:xfrm>
-            <a:off x="6720984" y="2106204"/>
-            <a:ext cx="4948518" cy="3541561"/>
-          </a:xfrm>
-        </p:spPr>
-        <p:txBody>
-          <a:bodyPr/>
-          <a:lstStyle/>
-          <a:p>
-            <a:pPr marL="342900" indent="-342900">
-              <a:buFont typeface="Arial" panose="020B0604020202020204" pitchFamily="34" charset="0"/>
-              <a:buChar char="•"/>
-            </a:pPr>
-            <a:r>
-              <a:rPr lang="fr-FR" dirty="0"/>
-              <a:t>Trois capteurs sonores </a:t>
-            </a:r>
-          </a:p>
-          <a:p>
-            <a:pPr marL="342900" indent="-342900">
-              <a:buFont typeface="Arial" panose="020B0604020202020204" pitchFamily="34" charset="0"/>
-              <a:buChar char="•"/>
-            </a:pPr>
-            <a:r>
-              <a:rPr lang="fr-FR" dirty="0"/>
-              <a:t>Espace en deux dimensions cadrillage 16x16 (0.5x0.5m)</a:t>
-            </a:r>
-          </a:p>
-          <a:p>
-            <a:pPr marL="342900" indent="-342900">
-              <a:buFont typeface="Arial" panose="020B0604020202020204" pitchFamily="34" charset="0"/>
-              <a:buChar char="•"/>
-            </a:pPr>
-            <a:r>
-              <a:rPr lang="fr-FR" dirty="0"/>
-              <a:t>Trois micro en (0.25,0.25), (0.25,7.75), (7.75,7.75)</a:t>
-            </a:r>
-          </a:p>
-          <a:p>
-            <a:pPr marL="342900" indent="-342900">
-              <a:buFont typeface="Arial" panose="020B0604020202020204" pitchFamily="34" charset="0"/>
-              <a:buChar char="•"/>
-            </a:pPr>
-            <a:r>
-              <a:rPr lang="fr-FR" dirty="0"/>
-              <a:t>Trouver l’emplacement de l’objet grâce au son des micros</a:t>
-            </a:r>
-          </a:p>
-          <a:p>
-            <a:pPr marL="342900" indent="-342900">
-              <a:buFont typeface="Arial" panose="020B0604020202020204" pitchFamily="34" charset="0"/>
-              <a:buChar char="•"/>
-            </a:pPr>
-            <a:endParaRPr lang="fr-FR" dirty="0"/>
-          </a:p>
-        </p:txBody>
-      </p:sp>
-      <p:pic>
-        <p:nvPicPr>
-          <p:cNvPr id="5" name="Image 4">
-            <a:extLst>
-              <a:ext uri="{FF2B5EF4-FFF2-40B4-BE49-F238E27FC236}">
-                <a16:creationId xmlns:a16="http://schemas.microsoft.com/office/drawing/2014/main" id="{E9E02CDC-F95D-844E-94D1-0CA07CF3806D}"/>
-              </a:ext>
-            </a:extLst>
-          </p:cNvPr>
-          <p:cNvPicPr>
-            <a:picLocks noChangeAspect="1"/>
-          </p:cNvPicPr>
-          <p:nvPr/>
-        </p:nvPicPr>
-        <p:blipFill rotWithShape="1">
-          <a:blip r:embed="rId2"/>
-          <a:srcRect l="746" t="349" b="1448"/>
-          <a:stretch/>
-        </p:blipFill>
-        <p:spPr>
-          <a:xfrm>
-            <a:off x="522498" y="2106204"/>
-            <a:ext cx="5573502" cy="3541561"/>
-          </a:xfrm>
-          <a:prstGeom prst="rect">
-            <a:avLst/>
-          </a:prstGeom>
-          <a:ln>
-            <a:noFill/>
-          </a:ln>
-          <a:effectLst>
-            <a:outerShdw blurRad="190500" algn="tl" rotWithShape="0">
-              <a:srgbClr val="000000">
-                <a:alpha val="70000"/>
-              </a:srgbClr>
-            </a:outerShdw>
-          </a:effectLst>
-        </p:spPr>
-      </p:pic>
-    </p:spTree>
-    <p:extLst>
-      <p:ext uri="{BB962C8B-B14F-4D97-AF65-F5344CB8AC3E}">
-        <p14:creationId xmlns:p14="http://schemas.microsoft.com/office/powerpoint/2010/main" val="1596097550"/>
-      </p:ext>
-    </p:extLst>
-  </p:cSld>
-  <p:clrMapOvr>
-    <a:masterClrMapping/>
-  </p:clrMapOvr>
-</p:sld>
-</file>
-
-<file path=ppt/slides/slide4.xml><?xml version="1.0" encoding="utf-8"?>
-<p:sld xmlns:a="http://schemas.openxmlformats.org/drawingml/2006/main" xmlns:r="http://schemas.openxmlformats.org/officeDocument/2006/relationships" xmlns:p="http://schemas.openxmlformats.org/presentationml/2006/main">
-  <p:cSld>
-    <p:spTree>
-      <p:nvGrpSpPr>
-        <p:cNvPr id="1" name=""/>
-        <p:cNvGrpSpPr/>
-        <p:nvPr/>
-      </p:nvGrpSpPr>
-      <p:grpSpPr>
-        <a:xfrm>
-          <a:off x="0" y="0"/>
-          <a:ext cx="0" cy="0"/>
-          <a:chOff x="0" y="0"/>
-          <a:chExt cx="0" cy="0"/>
-        </a:xfrm>
-      </p:grpSpPr>
-      <p:sp>
-        <p:nvSpPr>
-          <p:cNvPr id="2" name="Titre 1">
-            <a:extLst>
-              <a:ext uri="{FF2B5EF4-FFF2-40B4-BE49-F238E27FC236}">
-                <a16:creationId xmlns:a16="http://schemas.microsoft.com/office/drawing/2014/main" id="{3D729131-112F-C3A6-B18D-925D67A5600C}"/>
-              </a:ext>
-            </a:extLst>
-          </p:cNvPr>
-          <p:cNvSpPr>
-            <a:spLocks noGrp="1"/>
-          </p:cNvSpPr>
-          <p:nvPr>
-            <p:ph type="title"/>
-          </p:nvPr>
-        </p:nvSpPr>
-        <p:spPr/>
-        <p:txBody>
-          <a:bodyPr/>
-          <a:lstStyle/>
-          <a:p>
-            <a:r>
-              <a:rPr lang="fr-FR" dirty="0"/>
-              <a:t>Moyens techniques</a:t>
-            </a:r>
-          </a:p>
-        </p:txBody>
-      </p:sp>
-      <p:sp>
-        <p:nvSpPr>
-          <p:cNvPr id="3" name="Espace réservé du contenu 2">
-            <a:extLst>
-              <a:ext uri="{FF2B5EF4-FFF2-40B4-BE49-F238E27FC236}">
-                <a16:creationId xmlns:a16="http://schemas.microsoft.com/office/drawing/2014/main" id="{AD3F16F4-06CB-E558-3E8A-A988A1D48B62}"/>
-              </a:ext>
-            </a:extLst>
-          </p:cNvPr>
-          <p:cNvSpPr>
-            <a:spLocks noGrp="1"/>
-          </p:cNvSpPr>
-          <p:nvPr>
-            <p:ph idx="1"/>
-          </p:nvPr>
-        </p:nvSpPr>
-        <p:spPr/>
-        <p:txBody>
-          <a:bodyPr/>
-          <a:lstStyle/>
-          <a:p>
-            <a:pPr marL="342900" indent="-342900">
-              <a:buFont typeface="Arial" panose="020B0604020202020204" pitchFamily="34" charset="0"/>
-              <a:buChar char="•"/>
-            </a:pPr>
-            <a:r>
-              <a:rPr lang="fr-FR" dirty="0"/>
-              <a:t>Un Raspberry Pi</a:t>
-            </a:r>
-          </a:p>
-          <a:p>
-            <a:pPr marL="571500" lvl="1" indent="-342900">
-              <a:buFont typeface="Arial" panose="020B0604020202020204" pitchFamily="34" charset="0"/>
-              <a:buChar char="•"/>
-            </a:pPr>
-            <a:r>
-              <a:rPr lang="fr-FR" dirty="0"/>
-              <a:t>Distribution Diet Pi (Debian allégé)</a:t>
-            </a:r>
-          </a:p>
-          <a:p>
-            <a:pPr marL="571500" lvl="1" indent="-342900">
-              <a:buFont typeface="Arial" panose="020B0604020202020204" pitchFamily="34" charset="0"/>
-              <a:buChar char="•"/>
-            </a:pPr>
-            <a:r>
-              <a:rPr lang="fr-FR" dirty="0"/>
-              <a:t>Docker engine </a:t>
-            </a:r>
-          </a:p>
-          <a:p>
-            <a:pPr marL="571500" lvl="1" indent="-342900">
-              <a:buFont typeface="Arial" panose="020B0604020202020204" pitchFamily="34" charset="0"/>
-              <a:buChar char="•"/>
-            </a:pPr>
-            <a:r>
-              <a:rPr lang="fr-FR" dirty="0"/>
-              <a:t>Docker compose</a:t>
-            </a:r>
-          </a:p>
-          <a:p>
-            <a:pPr marL="342900" indent="-342900">
-              <a:buFont typeface="Arial" panose="020B0604020202020204" pitchFamily="34" charset="0"/>
-              <a:buChar char="•"/>
-            </a:pPr>
-            <a:r>
-              <a:rPr lang="fr-FR" dirty="0"/>
-              <a:t>Scripts PHP </a:t>
-            </a:r>
-          </a:p>
-          <a:p>
-            <a:pPr marL="571500" lvl="1" indent="-342900">
-              <a:buFont typeface="Arial" panose="020B0604020202020204" pitchFamily="34" charset="0"/>
-              <a:buChar char="•"/>
-            </a:pPr>
-            <a:r>
-              <a:rPr lang="fr-FR" dirty="0"/>
-              <a:t>Génération et codage des positions en binaire </a:t>
-            </a:r>
-          </a:p>
-          <a:p>
-            <a:pPr marL="571500" lvl="1" indent="-342900">
-              <a:buFont typeface="Arial" panose="020B0604020202020204" pitchFamily="34" charset="0"/>
-              <a:buChar char="•"/>
-            </a:pPr>
-            <a:r>
-              <a:rPr lang="fr-FR" dirty="0"/>
-              <a:t>Envoi sur broker MQTT</a:t>
-            </a:r>
-          </a:p>
-          <a:p>
-            <a:pPr marL="571500" lvl="1" indent="-342900">
-              <a:buFont typeface="Arial" panose="020B0604020202020204" pitchFamily="34" charset="0"/>
-              <a:buChar char="•"/>
-            </a:pPr>
-            <a:r>
-              <a:rPr lang="fr-FR" dirty="0"/>
-              <a:t>Réceptions messages binaire </a:t>
-            </a:r>
-          </a:p>
-          <a:p>
-            <a:pPr marL="571500" lvl="1" indent="-342900">
-              <a:buFont typeface="Arial" panose="020B0604020202020204" pitchFamily="34" charset="0"/>
-              <a:buChar char="•"/>
-            </a:pPr>
-            <a:r>
-              <a:rPr lang="fr-FR" dirty="0"/>
-              <a:t>Insertion postions et journaux dans base de donnée. </a:t>
-            </a:r>
-          </a:p>
-        </p:txBody>
-      </p:sp>
-    </p:spTree>
-    <p:extLst>
-      <p:ext uri="{BB962C8B-B14F-4D97-AF65-F5344CB8AC3E}">
-        <p14:creationId xmlns:p14="http://schemas.microsoft.com/office/powerpoint/2010/main" val="3079187146"/>
-      </p:ext>
-    </p:extLst>
-  </p:cSld>
-  <p:clrMapOvr>
-    <a:masterClrMapping/>
-  </p:clrMapOvr>
-</p:sld>
-</file>
-
-<file path=ppt/slides/slide5.xml><?xml version="1.0" encoding="utf-8"?>
-<p:sld xmlns:a="http://schemas.openxmlformats.org/drawingml/2006/main" xmlns:r="http://schemas.openxmlformats.org/officeDocument/2006/relationships" xmlns:p="http://schemas.openxmlformats.org/presentationml/2006/main">
-  <p:cSld>
-    <p:spTree>
-      <p:nvGrpSpPr>
-        <p:cNvPr id="1" name=""/>
-        <p:cNvGrpSpPr/>
-        <p:nvPr/>
-      </p:nvGrpSpPr>
-      <p:grpSpPr>
-        <a:xfrm>
-          <a:off x="0" y="0"/>
-          <a:ext cx="0" cy="0"/>
-          <a:chOff x="0" y="0"/>
-          <a:chExt cx="0" cy="0"/>
-        </a:xfrm>
-      </p:grpSpPr>
-      <p:sp>
-        <p:nvSpPr>
-          <p:cNvPr id="2" name="Titre 1">
-            <a:extLst>
-              <a:ext uri="{FF2B5EF4-FFF2-40B4-BE49-F238E27FC236}">
-                <a16:creationId xmlns:a16="http://schemas.microsoft.com/office/drawing/2014/main" id="{5219094A-E7A7-2DF8-8E05-EF637837D85C}"/>
-              </a:ext>
-            </a:extLst>
-          </p:cNvPr>
-          <p:cNvSpPr>
-            <a:spLocks noGrp="1"/>
-          </p:cNvSpPr>
-          <p:nvPr>
-            <p:ph type="title"/>
-          </p:nvPr>
-        </p:nvSpPr>
-        <p:spPr/>
-        <p:txBody>
-          <a:bodyPr/>
-          <a:lstStyle/>
-          <a:p>
-            <a:r>
-              <a:rPr lang="fr-FR" dirty="0"/>
-              <a:t>Moyens techniques</a:t>
-            </a:r>
-          </a:p>
-        </p:txBody>
-      </p:sp>
-      <p:sp>
-        <p:nvSpPr>
-          <p:cNvPr id="3" name="Espace réservé du contenu 2">
-            <a:extLst>
-              <a:ext uri="{FF2B5EF4-FFF2-40B4-BE49-F238E27FC236}">
-                <a16:creationId xmlns:a16="http://schemas.microsoft.com/office/drawing/2014/main" id="{F7F46C39-4D1B-798A-6840-4B566C846F57}"/>
-              </a:ext>
-            </a:extLst>
-          </p:cNvPr>
-          <p:cNvSpPr>
-            <a:spLocks noGrp="1"/>
-          </p:cNvSpPr>
-          <p:nvPr>
-            <p:ph idx="1"/>
-          </p:nvPr>
-        </p:nvSpPr>
-        <p:spPr>
-          <a:xfrm>
-            <a:off x="8469745" y="2106204"/>
-            <a:ext cx="3620655" cy="4267200"/>
-          </a:xfrm>
-        </p:spPr>
-        <p:txBody>
-          <a:bodyPr/>
-          <a:lstStyle/>
-          <a:p>
-            <a:pPr marL="342900" indent="-342900">
-              <a:buFont typeface="Arial" panose="020B0604020202020204" pitchFamily="34" charset="0"/>
-              <a:buChar char="•"/>
-            </a:pPr>
-            <a:r>
-              <a:rPr lang="fr-FR" dirty="0"/>
-              <a:t>Base de donnée </a:t>
-            </a:r>
-            <a:r>
-              <a:rPr lang="fr-FR" dirty="0" err="1"/>
-              <a:t>MariaDB</a:t>
-            </a:r>
-            <a:endParaRPr lang="fr-FR" dirty="0"/>
-          </a:p>
-          <a:p>
-            <a:pPr marL="342900" indent="-342900">
-              <a:buFont typeface="Arial" panose="020B0604020202020204" pitchFamily="34" charset="0"/>
-              <a:buChar char="•"/>
-            </a:pPr>
-            <a:r>
-              <a:rPr lang="fr-FR" dirty="0"/>
-              <a:t>Clé étrangère sur les tables « mesures » et « distance » vers table « position »</a:t>
-            </a:r>
-          </a:p>
-          <a:p>
-            <a:pPr marL="342900" indent="-342900">
-              <a:buFont typeface="Arial" panose="020B0604020202020204" pitchFamily="34" charset="0"/>
-              <a:buChar char="•"/>
-            </a:pPr>
-            <a:r>
-              <a:rPr lang="fr-FR" dirty="0"/>
-              <a:t>Table « distances », « position » et « amplitude » générées préalablement. </a:t>
-            </a:r>
-          </a:p>
-          <a:p>
-            <a:pPr marL="342900" indent="-342900">
-              <a:buFont typeface="Arial" panose="020B0604020202020204" pitchFamily="34" charset="0"/>
-              <a:buChar char="•"/>
-            </a:pPr>
-            <a:endParaRPr lang="fr-FR" dirty="0"/>
-          </a:p>
-          <a:p>
-            <a:pPr marL="342900" indent="-342900">
-              <a:buFont typeface="Arial" panose="020B0604020202020204" pitchFamily="34" charset="0"/>
-              <a:buChar char="•"/>
-            </a:pPr>
-            <a:endParaRPr lang="fr-FR" dirty="0"/>
-          </a:p>
-        </p:txBody>
-      </p:sp>
-      <p:pic>
-        <p:nvPicPr>
-          <p:cNvPr id="5" name="Image 4">
-            <a:extLst>
-              <a:ext uri="{FF2B5EF4-FFF2-40B4-BE49-F238E27FC236}">
-                <a16:creationId xmlns:a16="http://schemas.microsoft.com/office/drawing/2014/main" id="{B2EF1114-9065-353F-F266-CB38954F89D4}"/>
-              </a:ext>
-            </a:extLst>
-          </p:cNvPr>
-          <p:cNvPicPr>
-            <a:picLocks noChangeAspect="1"/>
-          </p:cNvPicPr>
-          <p:nvPr/>
-        </p:nvPicPr>
-        <p:blipFill rotWithShape="1">
-          <a:blip r:embed="rId2"/>
-          <a:srcRect l="3376" t="8983" r="4647" b="9425"/>
-          <a:stretch/>
-        </p:blipFill>
-        <p:spPr>
-          <a:xfrm>
-            <a:off x="369453" y="2106204"/>
-            <a:ext cx="8017165" cy="4267200"/>
-          </a:xfrm>
-          <a:prstGeom prst="rect">
-            <a:avLst/>
-          </a:prstGeom>
-          <a:ln>
-            <a:noFill/>
-          </a:ln>
-          <a:effectLst>
-            <a:outerShdw blurRad="190500" algn="tl" rotWithShape="0">
-              <a:srgbClr val="000000">
-                <a:alpha val="70000"/>
-              </a:srgbClr>
-            </a:outerShdw>
-          </a:effectLst>
-        </p:spPr>
-      </p:pic>
-    </p:spTree>
-    <p:extLst>
-      <p:ext uri="{BB962C8B-B14F-4D97-AF65-F5344CB8AC3E}">
-        <p14:creationId xmlns:p14="http://schemas.microsoft.com/office/powerpoint/2010/main" val="796678452"/>
-      </p:ext>
-    </p:extLst>
-  </p:cSld>
-  <p:clrMapOvr>
-    <a:masterClrMapping/>
-  </p:clrMapOvr>
-</p:sld>
-</file>
-
-<file path=ppt/slides/slide6.xml><?xml version="1.0" encoding="utf-8"?>
-<p:sld xmlns:a="http://schemas.openxmlformats.org/drawingml/2006/main" xmlns:r="http://schemas.openxmlformats.org/officeDocument/2006/relationships" xmlns:p="http://schemas.openxmlformats.org/presentationml/2006/main">
-  <p:cSld>
-    <p:spTree>
-      <p:nvGrpSpPr>
-        <p:cNvPr id="1" name=""/>
-        <p:cNvGrpSpPr/>
-        <p:nvPr/>
-      </p:nvGrpSpPr>
-      <p:grpSpPr>
-        <a:xfrm>
-          <a:off x="0" y="0"/>
-          <a:ext cx="0" cy="0"/>
-          <a:chOff x="0" y="0"/>
-          <a:chExt cx="0" cy="0"/>
-        </a:xfrm>
-      </p:grpSpPr>
-      <p:sp>
-        <p:nvSpPr>
-          <p:cNvPr id="2" name="Titre 1">
-            <a:extLst>
-              <a:ext uri="{FF2B5EF4-FFF2-40B4-BE49-F238E27FC236}">
-                <a16:creationId xmlns:a16="http://schemas.microsoft.com/office/drawing/2014/main" id="{E001886A-7918-577C-79DF-65AFC18B0F3A}"/>
-              </a:ext>
-            </a:extLst>
-          </p:cNvPr>
-          <p:cNvSpPr>
-            <a:spLocks noGrp="1"/>
-          </p:cNvSpPr>
-          <p:nvPr>
-            <p:ph type="title"/>
-          </p:nvPr>
-        </p:nvSpPr>
-        <p:spPr/>
-        <p:txBody>
-          <a:bodyPr/>
-          <a:lstStyle/>
-          <a:p>
-            <a:r>
-              <a:rPr lang="fr-FR" dirty="0"/>
-              <a:t>Workflow</a:t>
-            </a:r>
-          </a:p>
-        </p:txBody>
-      </p:sp>
-      <p:pic>
-        <p:nvPicPr>
-          <p:cNvPr id="5" name="Image 4">
-            <a:extLst>
-              <a:ext uri="{FF2B5EF4-FFF2-40B4-BE49-F238E27FC236}">
-                <a16:creationId xmlns:a16="http://schemas.microsoft.com/office/drawing/2014/main" id="{311843B8-B647-92C8-05AD-A0DE67B86DBB}"/>
-              </a:ext>
-            </a:extLst>
-          </p:cNvPr>
-          <p:cNvPicPr>
-            <a:picLocks noChangeAspect="1"/>
-          </p:cNvPicPr>
-          <p:nvPr/>
-        </p:nvPicPr>
-        <p:blipFill>
-          <a:blip r:embed="rId2">
-            <a:extLst>
-              <a:ext uri="{28A0092B-C50C-407E-A947-70E740481C1C}">
-                <a14:useLocalDpi xmlns:a14="http://schemas.microsoft.com/office/drawing/2010/main" val="0"/>
-              </a:ext>
-            </a:extLst>
-          </a:blip>
-          <a:stretch>
-            <a:fillRect/>
-          </a:stretch>
-        </p:blipFill>
-        <p:spPr>
-          <a:xfrm>
-            <a:off x="2723140" y="1883347"/>
-            <a:ext cx="6745720" cy="4628796"/>
-          </a:xfrm>
-          <a:prstGeom prst="rect">
-            <a:avLst/>
-          </a:prstGeom>
-          <a:ln>
-            <a:noFill/>
-          </a:ln>
-          <a:effectLst>
-            <a:outerShdw blurRad="190500" algn="tl" rotWithShape="0">
-              <a:srgbClr val="000000">
-                <a:alpha val="70000"/>
-              </a:srgbClr>
-            </a:outerShdw>
-          </a:effectLst>
-        </p:spPr>
-      </p:pic>
-    </p:spTree>
-    <p:extLst>
-      <p:ext uri="{BB962C8B-B14F-4D97-AF65-F5344CB8AC3E}">
-        <p14:creationId xmlns:p14="http://schemas.microsoft.com/office/powerpoint/2010/main" val="15663529"/>
-      </p:ext>
-    </p:extLst>
-  </p:cSld>
-  <p:clrMapOvr>
-    <a:masterClrMapping/>
-  </p:clrMapOvr>
-</p:sld>
-</file>
-
-<file path=ppt/slides/slide7.xml><?xml version="1.0" encoding="utf-8"?>
-<p:sld xmlns:a="http://schemas.openxmlformats.org/drawingml/2006/main" xmlns:r="http://schemas.openxmlformats.org/officeDocument/2006/relationships" xmlns:p="http://schemas.openxmlformats.org/presentationml/2006/main">
-  <p:cSld>
-    <p:spTree>
-      <p:nvGrpSpPr>
-        <p:cNvPr id="1" name=""/>
-        <p:cNvGrpSpPr/>
-        <p:nvPr/>
-      </p:nvGrpSpPr>
-      <p:grpSpPr>
-        <a:xfrm>
-          <a:off x="0" y="0"/>
-          <a:ext cx="0" cy="0"/>
-          <a:chOff x="0" y="0"/>
-          <a:chExt cx="0" cy="0"/>
-        </a:xfrm>
-      </p:grpSpPr>
-      <p:sp>
-        <p:nvSpPr>
-          <p:cNvPr id="2" name="Titre 1">
-            <a:extLst>
-              <a:ext uri="{FF2B5EF4-FFF2-40B4-BE49-F238E27FC236}">
-                <a16:creationId xmlns:a16="http://schemas.microsoft.com/office/drawing/2014/main" id="{0DBDB1D4-6C27-4E70-FD0F-D86767134636}"/>
-              </a:ext>
-            </a:extLst>
-          </p:cNvPr>
-          <p:cNvSpPr>
-            <a:spLocks noGrp="1"/>
-          </p:cNvSpPr>
-          <p:nvPr>
-            <p:ph type="title"/>
-          </p:nvPr>
-        </p:nvSpPr>
-        <p:spPr/>
-        <p:txBody>
-          <a:bodyPr/>
-          <a:lstStyle/>
-          <a:p>
-            <a:r>
-              <a:rPr lang="fr-FR" dirty="0"/>
-              <a:t>Fonctionnement </a:t>
-            </a:r>
-          </a:p>
-        </p:txBody>
-      </p:sp>
-      <p:sp>
-        <p:nvSpPr>
-          <p:cNvPr id="3" name="Espace réservé du contenu 2">
-            <a:extLst>
-              <a:ext uri="{FF2B5EF4-FFF2-40B4-BE49-F238E27FC236}">
-                <a16:creationId xmlns:a16="http://schemas.microsoft.com/office/drawing/2014/main" id="{742623D4-2BEF-4824-3FC9-A12FB6AD78C2}"/>
-              </a:ext>
-            </a:extLst>
-          </p:cNvPr>
-          <p:cNvSpPr>
-            <a:spLocks noGrp="1"/>
-          </p:cNvSpPr>
-          <p:nvPr>
-            <p:ph idx="1"/>
-          </p:nvPr>
-        </p:nvSpPr>
-        <p:spPr/>
-        <p:txBody>
-          <a:bodyPr/>
-          <a:lstStyle/>
-          <a:p>
-            <a:pPr marL="342900" indent="-342900">
-              <a:buFont typeface="Arial" panose="020B0604020202020204" pitchFamily="34" charset="0"/>
-              <a:buChar char="•"/>
-            </a:pPr>
-            <a:r>
-              <a:rPr lang="fr-FR" dirty="0"/>
-              <a:t>Script génération positions </a:t>
-            </a:r>
-          </a:p>
-          <a:p>
-            <a:pPr marL="571500" lvl="1" indent="-342900">
-              <a:buFont typeface="Arial" panose="020B0604020202020204" pitchFamily="34" charset="0"/>
-              <a:buChar char="•"/>
-            </a:pPr>
-            <a:r>
-              <a:rPr lang="fr-FR" dirty="0"/>
-              <a:t>Vérification du mode choisi</a:t>
-            </a:r>
-          </a:p>
-          <a:p>
-            <a:pPr marL="571500" lvl="1" indent="-342900">
-              <a:buFont typeface="Arial" panose="020B0604020202020204" pitchFamily="34" charset="0"/>
-              <a:buChar char="•"/>
-            </a:pPr>
-            <a:r>
-              <a:rPr lang="fr-FR" dirty="0"/>
-              <a:t>Départ (0.25,0.25)</a:t>
-            </a:r>
-          </a:p>
-          <a:p>
-            <a:pPr marL="571500" lvl="1" indent="-342900">
-              <a:buFont typeface="Arial" panose="020B0604020202020204" pitchFamily="34" charset="0"/>
-              <a:buChar char="•"/>
-            </a:pPr>
-            <a:r>
-              <a:rPr lang="fr-FR" dirty="0"/>
-              <a:t>Ajout ½ fois 0.5 à x ou y</a:t>
-            </a:r>
-          </a:p>
-          <a:p>
-            <a:pPr marL="571500" lvl="1" indent="-342900">
-              <a:buFont typeface="Arial" panose="020B0604020202020204" pitchFamily="34" charset="0"/>
-              <a:buChar char="•"/>
-            </a:pPr>
-            <a:r>
-              <a:rPr lang="fr-FR" dirty="0"/>
-              <a:t>Distances aux trois capteurs pour cette position </a:t>
-            </a:r>
-          </a:p>
-          <a:p>
-            <a:pPr marL="571500" lvl="1" indent="-342900">
-              <a:buFont typeface="Arial" panose="020B0604020202020204" pitchFamily="34" charset="0"/>
-              <a:buChar char="•"/>
-            </a:pPr>
-            <a:r>
-              <a:rPr lang="fr-FR" dirty="0"/>
-              <a:t>Conversion binaire </a:t>
-            </a:r>
-          </a:p>
-          <a:p>
-            <a:pPr marL="571500" lvl="1" indent="-342900">
-              <a:buFont typeface="Arial" panose="020B0604020202020204" pitchFamily="34" charset="0"/>
-              <a:buChar char="•"/>
-            </a:pPr>
-            <a:r>
-              <a:rPr lang="fr-FR" dirty="0"/>
-              <a:t>Envoi sur topic des capteurs choisis (mode 1, 2 ou 3)</a:t>
-            </a:r>
-          </a:p>
-        </p:txBody>
-      </p:sp>
-    </p:spTree>
-    <p:extLst>
-      <p:ext uri="{BB962C8B-B14F-4D97-AF65-F5344CB8AC3E}">
-        <p14:creationId xmlns:p14="http://schemas.microsoft.com/office/powerpoint/2010/main" val="17069863"/>
-      </p:ext>
-    </p:extLst>
-  </p:cSld>
-  <p:clrMapOvr>
-    <a:masterClrMapping/>
-  </p:clrMapOvr>
-</p:sld>
-</file>
-
-<file path=ppt/slides/slide8.xml><?xml version="1.0" encoding="utf-8"?>
-<p:sld xmlns:a="http://schemas.openxmlformats.org/drawingml/2006/main" xmlns:r="http://schemas.openxmlformats.org/officeDocument/2006/relationships" xmlns:p="http://schemas.openxmlformats.org/presentationml/2006/main">
-  <p:cSld>
-    <p:spTree>
-      <p:nvGrpSpPr>
-        <p:cNvPr id="1" name=""/>
-        <p:cNvGrpSpPr/>
-        <p:nvPr/>
-      </p:nvGrpSpPr>
-      <p:grpSpPr>
-        <a:xfrm>
-          <a:off x="0" y="0"/>
-          <a:ext cx="0" cy="0"/>
-          <a:chOff x="0" y="0"/>
-          <a:chExt cx="0" cy="0"/>
-        </a:xfrm>
-      </p:grpSpPr>
-      <p:sp>
-        <p:nvSpPr>
-          <p:cNvPr id="2" name="Titre 1">
-            <a:extLst>
-              <a:ext uri="{FF2B5EF4-FFF2-40B4-BE49-F238E27FC236}">
-                <a16:creationId xmlns:a16="http://schemas.microsoft.com/office/drawing/2014/main" id="{B062F239-E0BA-4100-E3CD-055BC9B849D7}"/>
-              </a:ext>
-            </a:extLst>
-          </p:cNvPr>
-          <p:cNvSpPr>
-            <a:spLocks noGrp="1"/>
-          </p:cNvSpPr>
-          <p:nvPr>
-            <p:ph type="title"/>
-          </p:nvPr>
-        </p:nvSpPr>
-        <p:spPr/>
-        <p:txBody>
-          <a:bodyPr/>
-          <a:lstStyle/>
-          <a:p>
-            <a:r>
-              <a:rPr lang="fr-FR" dirty="0"/>
-              <a:t>Fonctionnement</a:t>
-            </a:r>
-          </a:p>
-        </p:txBody>
-      </p:sp>
-      <p:sp>
-        <p:nvSpPr>
-          <p:cNvPr id="3" name="Espace réservé du contenu 2">
-            <a:extLst>
-              <a:ext uri="{FF2B5EF4-FFF2-40B4-BE49-F238E27FC236}">
-                <a16:creationId xmlns:a16="http://schemas.microsoft.com/office/drawing/2014/main" id="{B7895DB9-F36C-01CD-1DDF-FF8CB7D5107B}"/>
-              </a:ext>
-            </a:extLst>
-          </p:cNvPr>
-          <p:cNvSpPr>
-            <a:spLocks noGrp="1"/>
-          </p:cNvSpPr>
-          <p:nvPr>
-            <p:ph idx="1"/>
-          </p:nvPr>
-        </p:nvSpPr>
-        <p:spPr/>
-        <p:txBody>
-          <a:bodyPr/>
-          <a:lstStyle/>
-          <a:p>
-            <a:pPr marL="342900" indent="-342900">
-              <a:buFont typeface="Arial" panose="020B0604020202020204" pitchFamily="34" charset="0"/>
-              <a:buChar char="•"/>
-            </a:pPr>
-            <a:r>
-              <a:rPr lang="fr-FR" dirty="0"/>
-              <a:t>Script réception positions</a:t>
-            </a:r>
-          </a:p>
-          <a:p>
-            <a:pPr marL="571500" lvl="1" indent="-342900">
-              <a:buFont typeface="Arial" panose="020B0604020202020204" pitchFamily="34" charset="0"/>
-              <a:buChar char="•"/>
-            </a:pPr>
-            <a:r>
-              <a:rPr lang="fr-FR" dirty="0"/>
-              <a:t>Ecoute de tout les topics</a:t>
-            </a:r>
-          </a:p>
-          <a:p>
-            <a:pPr marL="571500" lvl="1" indent="-342900">
-              <a:buFont typeface="Arial" panose="020B0604020202020204" pitchFamily="34" charset="0"/>
-              <a:buChar char="•"/>
-            </a:pPr>
-            <a:r>
-              <a:rPr lang="fr-FR" dirty="0"/>
-              <a:t>En fonction des données reçues :</a:t>
-            </a:r>
-          </a:p>
-          <a:p>
-            <a:pPr marL="800100" lvl="2" indent="-342900">
-              <a:buFont typeface="Arial" panose="020B0604020202020204" pitchFamily="34" charset="0"/>
-              <a:buChar char="•"/>
-            </a:pPr>
-            <a:r>
-              <a:rPr lang="fr-FR" dirty="0"/>
-              <a:t> Décodage du binaire </a:t>
-            </a:r>
-          </a:p>
-          <a:p>
-            <a:pPr marL="800100" lvl="2" indent="-342900">
-              <a:buFont typeface="Arial" panose="020B0604020202020204" pitchFamily="34" charset="0"/>
-              <a:buChar char="•"/>
-            </a:pPr>
-            <a:r>
-              <a:rPr lang="fr-FR" dirty="0"/>
-              <a:t> Comparaison des distances avec la BD</a:t>
-            </a:r>
-          </a:p>
-          <a:p>
-            <a:pPr marL="800100" lvl="2" indent="-342900">
-              <a:buFont typeface="Arial" panose="020B0604020202020204" pitchFamily="34" charset="0"/>
-              <a:buChar char="•"/>
-            </a:pPr>
-            <a:r>
-              <a:rPr lang="fr-FR" dirty="0"/>
-              <a:t> Insertion des coordonnés dans la table « mesure » (si 3 capteurs)</a:t>
-            </a:r>
-          </a:p>
-          <a:p>
-            <a:pPr marL="800100" lvl="2" indent="-342900">
-              <a:buFont typeface="Arial" panose="020B0604020202020204" pitchFamily="34" charset="0"/>
-              <a:buChar char="•"/>
-            </a:pPr>
-            <a:r>
-              <a:rPr lang="fr-FR" dirty="0"/>
-              <a:t> Insertion des messages de pannes de capteurs et coordonnés possibles (si nombre de capteurs &lt; 3)</a:t>
-            </a:r>
-          </a:p>
-        </p:txBody>
-      </p:sp>
-    </p:spTree>
-    <p:extLst>
-      <p:ext uri="{BB962C8B-B14F-4D97-AF65-F5344CB8AC3E}">
-        <p14:creationId xmlns:p14="http://schemas.microsoft.com/office/powerpoint/2010/main" val="73966839"/>
-      </p:ext>
-    </p:extLst>
-  </p:cSld>
-  <p:clrMapOvr>
-    <a:masterClrMapping/>
-  </p:clrMapOvr>
-</p:sld>
-</file>
-
-<file path=ppt/slides/slide9.xml><?xml version="1.0" encoding="utf-8"?>
 <p:sld xmlns:a="http://schemas.openxmlformats.org/drawingml/2006/main" xmlns:r="http://schemas.openxmlformats.org/officeDocument/2006/relationships" xmlns:p="http://schemas.openxmlformats.org/presentationml/2006/main">
   <p:cSld>
     <p:spTree>
@@ -5882,6 +5240,129 @@
           </a:p>
         </p:txBody>
       </p:sp>
+      <p:pic>
+        <p:nvPicPr>
+          <p:cNvPr id="4" name="Image 3" descr="Une image contenant texte&#10;&#10;Description générée automatiquement">
+            <a:extLst>
+              <a:ext uri="{FF2B5EF4-FFF2-40B4-BE49-F238E27FC236}">
+                <a16:creationId xmlns:a16="http://schemas.microsoft.com/office/drawing/2014/main" id="{B220AB12-5B11-BBFA-933A-EEFFB40BADE3}"/>
+              </a:ext>
+            </a:extLst>
+          </p:cNvPr>
+          <p:cNvPicPr>
+            <a:picLocks noChangeAspect="1"/>
+          </p:cNvPicPr>
+          <p:nvPr/>
+        </p:nvPicPr>
+        <p:blipFill>
+          <a:blip r:embed="rId4">
+            <a:extLst>
+              <a:ext uri="{28A0092B-C50C-407E-A947-70E740481C1C}">
+                <a14:useLocalDpi xmlns:a14="http://schemas.microsoft.com/office/drawing/2010/main" val="0"/>
+              </a:ext>
+            </a:extLst>
+          </a:blip>
+          <a:stretch>
+            <a:fillRect/>
+          </a:stretch>
+        </p:blipFill>
+        <p:spPr>
+          <a:xfrm>
+            <a:off x="5163664" y="1450109"/>
+            <a:ext cx="6542594" cy="3485949"/>
+          </a:xfrm>
+          <a:prstGeom prst="rect">
+            <a:avLst/>
+          </a:prstGeom>
+          <a:ln>
+            <a:noFill/>
+          </a:ln>
+          <a:effectLst>
+            <a:outerShdw blurRad="190500" algn="tl" rotWithShape="0">
+              <a:srgbClr val="000000">
+                <a:alpha val="70000"/>
+              </a:srgbClr>
+            </a:outerShdw>
+          </a:effectLst>
+        </p:spPr>
+      </p:pic>
+      <p:sp>
+        <p:nvSpPr>
+          <p:cNvPr id="5" name="Espace réservé du numéro de diapositive 4">
+            <a:extLst>
+              <a:ext uri="{FF2B5EF4-FFF2-40B4-BE49-F238E27FC236}">
+                <a16:creationId xmlns:a16="http://schemas.microsoft.com/office/drawing/2014/main" id="{865BA7D2-9BBC-3378-5104-8A8569F244B7}"/>
+              </a:ext>
+            </a:extLst>
+          </p:cNvPr>
+          <p:cNvSpPr>
+            <a:spLocks noGrp="1"/>
+          </p:cNvSpPr>
+          <p:nvPr>
+            <p:ph type="sldNum" sz="quarter" idx="12"/>
+          </p:nvPr>
+        </p:nvSpPr>
+        <p:spPr/>
+        <p:txBody>
+          <a:bodyPr/>
+          <a:lstStyle/>
+          <a:p>
+            <a:fld id="{1F646F3F-274D-499B-ABBE-824EB4ABDC3D}" type="slidenum">
+              <a:rPr lang="en-US" smtClean="0"/>
+              <a:t>10</a:t>
+            </a:fld>
+            <a:endParaRPr lang="en-US"/>
+          </a:p>
+        </p:txBody>
+      </p:sp>
+      <p:sp>
+        <p:nvSpPr>
+          <p:cNvPr id="10" name="ZoneTexte 9">
+            <a:extLst>
+              <a:ext uri="{FF2B5EF4-FFF2-40B4-BE49-F238E27FC236}">
+                <a16:creationId xmlns:a16="http://schemas.microsoft.com/office/drawing/2014/main" id="{60C6AAD5-2D50-9147-9322-D9EB92F4E482}"/>
+              </a:ext>
+            </a:extLst>
+          </p:cNvPr>
+          <p:cNvSpPr txBox="1"/>
+          <p:nvPr/>
+        </p:nvSpPr>
+        <p:spPr>
+          <a:xfrm>
+            <a:off x="1020618" y="136525"/>
+            <a:ext cx="10150764" cy="338554"/>
+          </a:xfrm>
+          <a:prstGeom prst="rect">
+            <a:avLst/>
+          </a:prstGeom>
+          <a:noFill/>
+        </p:spPr>
+        <p:txBody>
+          <a:bodyPr wrap="square" rtlCol="0">
+            <a:spAutoFit/>
+          </a:bodyPr>
+          <a:lstStyle/>
+          <a:p>
+            <a:pPr algn="ctr"/>
+            <a:r>
+              <a:rPr lang="fr-FR" sz="1600" dirty="0"/>
+              <a:t>Contexte | Moyens techniques | Workflow | Fonctionnement | </a:t>
+            </a:r>
+            <a:r>
+              <a:rPr lang="fr-FR" sz="1600" dirty="0">
+                <a:solidFill>
+                  <a:srgbClr val="0070C0"/>
+                </a:solidFill>
+              </a:rPr>
+              <a:t>Démonstration</a:t>
+            </a:r>
+            <a:r>
+              <a:rPr lang="fr-FR" sz="1600" dirty="0"/>
+              <a:t> | Conclusion  </a:t>
+            </a:r>
+          </a:p>
+        </p:txBody>
+      </p:sp>
     </p:spTree>
     <p:extLst>
       <p:ext uri="{BB962C8B-B14F-4D97-AF65-F5344CB8AC3E}">
@@ -5892,6 +5373,2155 @@
   <p:clrMapOvr>
     <a:masterClrMapping/>
   </p:clrMapOvr>
+  <mc:AlternateContent xmlns:mc="http://schemas.openxmlformats.org/markup-compatibility/2006">
+    <mc:Choice xmlns:p14="http://schemas.microsoft.com/office/powerpoint/2010/main" Requires="p14">
+      <p:transition spd="med" p14:dur="700">
+        <p:fade/>
+      </p:transition>
+    </mc:Choice>
+    <mc:Fallback>
+      <p:transition spd="med">
+        <p:fade/>
+      </p:transition>
+    </mc:Fallback>
+  </mc:AlternateContent>
+</p:sld>
+</file>
+
+<file path=ppt/slides/slide11.xml><?xml version="1.0" encoding="utf-8"?>
+<p:sld xmlns:a="http://schemas.openxmlformats.org/drawingml/2006/main" xmlns:r="http://schemas.openxmlformats.org/officeDocument/2006/relationships" xmlns:p="http://schemas.openxmlformats.org/presentationml/2006/main">
+  <p:cSld>
+    <p:spTree>
+      <p:nvGrpSpPr>
+        <p:cNvPr id="1" name=""/>
+        <p:cNvGrpSpPr/>
+        <p:nvPr/>
+      </p:nvGrpSpPr>
+      <p:grpSpPr>
+        <a:xfrm>
+          <a:off x="0" y="0"/>
+          <a:ext cx="0" cy="0"/>
+          <a:chOff x="0" y="0"/>
+          <a:chExt cx="0" cy="0"/>
+        </a:xfrm>
+      </p:grpSpPr>
+      <p:sp>
+        <p:nvSpPr>
+          <p:cNvPr id="2" name="Titre 1">
+            <a:extLst>
+              <a:ext uri="{FF2B5EF4-FFF2-40B4-BE49-F238E27FC236}">
+                <a16:creationId xmlns:a16="http://schemas.microsoft.com/office/drawing/2014/main" id="{563BCD19-97A5-3D8D-B99D-BF76EA73EB55}"/>
+              </a:ext>
+            </a:extLst>
+          </p:cNvPr>
+          <p:cNvSpPr>
+            <a:spLocks noGrp="1"/>
+          </p:cNvSpPr>
+          <p:nvPr>
+            <p:ph type="title"/>
+          </p:nvPr>
+        </p:nvSpPr>
+        <p:spPr/>
+        <p:txBody>
+          <a:bodyPr/>
+          <a:lstStyle/>
+          <a:p>
+            <a:r>
+              <a:rPr lang="fr-FR" dirty="0"/>
+              <a:t>Conclusion</a:t>
+            </a:r>
+          </a:p>
+        </p:txBody>
+      </p:sp>
+      <p:sp>
+        <p:nvSpPr>
+          <p:cNvPr id="3" name="Espace réservé du contenu 2">
+            <a:extLst>
+              <a:ext uri="{FF2B5EF4-FFF2-40B4-BE49-F238E27FC236}">
+                <a16:creationId xmlns:a16="http://schemas.microsoft.com/office/drawing/2014/main" id="{C63EDFDE-97D5-3328-BCEB-C920057EF489}"/>
+              </a:ext>
+            </a:extLst>
+          </p:cNvPr>
+          <p:cNvSpPr>
+            <a:spLocks noGrp="1"/>
+          </p:cNvSpPr>
+          <p:nvPr>
+            <p:ph idx="1"/>
+          </p:nvPr>
+        </p:nvSpPr>
+        <p:spPr/>
+        <p:txBody>
+          <a:bodyPr/>
+          <a:lstStyle/>
+          <a:p>
+            <a:pPr marL="342900" indent="-342900">
+              <a:buFont typeface="Arial" panose="020B0604020202020204" pitchFamily="34" charset="0"/>
+              <a:buChar char="•"/>
+            </a:pPr>
+            <a:r>
+              <a:rPr lang="fr-FR" dirty="0"/>
+              <a:t>Localisation de l’objet dans la pièce </a:t>
+            </a:r>
+          </a:p>
+          <a:p>
+            <a:pPr marL="342900" indent="-342900">
+              <a:buFont typeface="Arial" panose="020B0604020202020204" pitchFamily="34" charset="0"/>
+              <a:buChar char="•"/>
+            </a:pPr>
+            <a:r>
+              <a:rPr lang="fr-FR" dirty="0"/>
+              <a:t>Prise en compte des différents scénarios de panne </a:t>
+            </a:r>
+          </a:p>
+          <a:p>
+            <a:pPr marL="342900" indent="-342900">
+              <a:buFont typeface="Arial" panose="020B0604020202020204" pitchFamily="34" charset="0"/>
+              <a:buChar char="•"/>
+            </a:pPr>
+            <a:r>
+              <a:rPr lang="fr-FR" dirty="0"/>
+              <a:t>Interface dynamique avec gestion des positions et potentiels messages d’erreurs </a:t>
+            </a:r>
+          </a:p>
+        </p:txBody>
+      </p:sp>
+      <p:sp>
+        <p:nvSpPr>
+          <p:cNvPr id="4" name="Espace réservé du numéro de diapositive 3">
+            <a:extLst>
+              <a:ext uri="{FF2B5EF4-FFF2-40B4-BE49-F238E27FC236}">
+                <a16:creationId xmlns:a16="http://schemas.microsoft.com/office/drawing/2014/main" id="{377C05AD-DB7B-82FE-910F-412EA4ED5351}"/>
+              </a:ext>
+            </a:extLst>
+          </p:cNvPr>
+          <p:cNvSpPr>
+            <a:spLocks noGrp="1"/>
+          </p:cNvSpPr>
+          <p:nvPr>
+            <p:ph type="sldNum" sz="quarter" idx="12"/>
+          </p:nvPr>
+        </p:nvSpPr>
+        <p:spPr/>
+        <p:txBody>
+          <a:bodyPr/>
+          <a:lstStyle/>
+          <a:p>
+            <a:fld id="{1F646F3F-274D-499B-ABBE-824EB4ABDC3D}" type="slidenum">
+              <a:rPr lang="en-US" smtClean="0"/>
+              <a:t>11</a:t>
+            </a:fld>
+            <a:endParaRPr lang="en-US"/>
+          </a:p>
+        </p:txBody>
+      </p:sp>
+      <p:sp>
+        <p:nvSpPr>
+          <p:cNvPr id="5" name="ZoneTexte 4">
+            <a:extLst>
+              <a:ext uri="{FF2B5EF4-FFF2-40B4-BE49-F238E27FC236}">
+                <a16:creationId xmlns:a16="http://schemas.microsoft.com/office/drawing/2014/main" id="{992D4928-C742-A40C-BFD1-DB1BD697AC29}"/>
+              </a:ext>
+            </a:extLst>
+          </p:cNvPr>
+          <p:cNvSpPr txBox="1"/>
+          <p:nvPr/>
+        </p:nvSpPr>
+        <p:spPr>
+          <a:xfrm>
+            <a:off x="1020618" y="136525"/>
+            <a:ext cx="10150764" cy="338554"/>
+          </a:xfrm>
+          <a:prstGeom prst="rect">
+            <a:avLst/>
+          </a:prstGeom>
+          <a:noFill/>
+        </p:spPr>
+        <p:txBody>
+          <a:bodyPr wrap="square" rtlCol="0">
+            <a:spAutoFit/>
+          </a:bodyPr>
+          <a:lstStyle/>
+          <a:p>
+            <a:pPr algn="ctr"/>
+            <a:r>
+              <a:rPr lang="fr-FR" sz="1600" dirty="0"/>
+              <a:t>Contexte | Moyens techniques | Workflow | Fonctionnement | Démonstration | </a:t>
+            </a:r>
+            <a:r>
+              <a:rPr lang="fr-FR" sz="1600" dirty="0">
+                <a:solidFill>
+                  <a:srgbClr val="0070C0"/>
+                </a:solidFill>
+              </a:rPr>
+              <a:t>Conclusion</a:t>
+            </a:r>
+            <a:r>
+              <a:rPr lang="fr-FR" sz="1600" dirty="0"/>
+              <a:t>  </a:t>
+            </a:r>
+          </a:p>
+        </p:txBody>
+      </p:sp>
+    </p:spTree>
+    <p:extLst>
+      <p:ext uri="{BB962C8B-B14F-4D97-AF65-F5344CB8AC3E}">
+        <p14:creationId xmlns:p14="http://schemas.microsoft.com/office/powerpoint/2010/main" val="1483983423"/>
+      </p:ext>
+    </p:extLst>
+  </p:cSld>
+  <p:clrMapOvr>
+    <a:masterClrMapping/>
+  </p:clrMapOvr>
+  <mc:AlternateContent xmlns:mc="http://schemas.openxmlformats.org/markup-compatibility/2006">
+    <mc:Choice xmlns:p14="http://schemas.microsoft.com/office/powerpoint/2010/main" Requires="p14">
+      <p:transition spd="med" p14:dur="700">
+        <p:fade/>
+      </p:transition>
+    </mc:Choice>
+    <mc:Fallback>
+      <p:transition spd="med">
+        <p:fade/>
+      </p:transition>
+    </mc:Fallback>
+  </mc:AlternateContent>
+</p:sld>
+</file>
+
+<file path=ppt/slides/slide2.xml><?xml version="1.0" encoding="utf-8"?>
+<p:sld xmlns:a="http://schemas.openxmlformats.org/drawingml/2006/main" xmlns:r="http://schemas.openxmlformats.org/officeDocument/2006/relationships" xmlns:p="http://schemas.openxmlformats.org/presentationml/2006/main">
+  <p:cSld>
+    <p:spTree>
+      <p:nvGrpSpPr>
+        <p:cNvPr id="1" name=""/>
+        <p:cNvGrpSpPr/>
+        <p:nvPr/>
+      </p:nvGrpSpPr>
+      <p:grpSpPr>
+        <a:xfrm>
+          <a:off x="0" y="0"/>
+          <a:ext cx="0" cy="0"/>
+          <a:chOff x="0" y="0"/>
+          <a:chExt cx="0" cy="0"/>
+        </a:xfrm>
+      </p:grpSpPr>
+      <p:sp>
+        <p:nvSpPr>
+          <p:cNvPr id="2" name="Titre 1">
+            <a:extLst>
+              <a:ext uri="{FF2B5EF4-FFF2-40B4-BE49-F238E27FC236}">
+                <a16:creationId xmlns:a16="http://schemas.microsoft.com/office/drawing/2014/main" id="{1C69AD53-D34A-8F48-099E-436032A2652C}"/>
+              </a:ext>
+            </a:extLst>
+          </p:cNvPr>
+          <p:cNvSpPr>
+            <a:spLocks noGrp="1"/>
+          </p:cNvSpPr>
+          <p:nvPr>
+            <p:ph type="title"/>
+          </p:nvPr>
+        </p:nvSpPr>
+        <p:spPr/>
+        <p:txBody>
+          <a:bodyPr/>
+          <a:lstStyle/>
+          <a:p>
+            <a:r>
+              <a:rPr lang="fr-FR" dirty="0"/>
+              <a:t>Sommaire</a:t>
+            </a:r>
+          </a:p>
+        </p:txBody>
+      </p:sp>
+      <p:sp>
+        <p:nvSpPr>
+          <p:cNvPr id="3" name="Espace réservé du contenu 2">
+            <a:extLst>
+              <a:ext uri="{FF2B5EF4-FFF2-40B4-BE49-F238E27FC236}">
+                <a16:creationId xmlns:a16="http://schemas.microsoft.com/office/drawing/2014/main" id="{BF534AE4-A4A9-AD9F-C0F7-DFF6A035C397}"/>
+              </a:ext>
+            </a:extLst>
+          </p:cNvPr>
+          <p:cNvSpPr>
+            <a:spLocks noGrp="1"/>
+          </p:cNvSpPr>
+          <p:nvPr>
+            <p:ph idx="1"/>
+          </p:nvPr>
+        </p:nvSpPr>
+        <p:spPr/>
+        <p:txBody>
+          <a:bodyPr/>
+          <a:lstStyle/>
+          <a:p>
+            <a:pPr marL="342900" indent="-342900">
+              <a:buFont typeface="Arial" panose="020B0604020202020204" pitchFamily="34" charset="0"/>
+              <a:buChar char="•"/>
+            </a:pPr>
+            <a:r>
+              <a:rPr lang="fr-FR" dirty="0"/>
+              <a:t>Contexte</a:t>
+            </a:r>
+          </a:p>
+          <a:p>
+            <a:pPr marL="342900" indent="-342900">
+              <a:buFont typeface="Arial" panose="020B0604020202020204" pitchFamily="34" charset="0"/>
+              <a:buChar char="•"/>
+            </a:pPr>
+            <a:r>
+              <a:rPr lang="fr-FR" dirty="0"/>
+              <a:t>Principe</a:t>
+            </a:r>
+          </a:p>
+          <a:p>
+            <a:pPr marL="342900" indent="-342900">
+              <a:buFont typeface="Arial" panose="020B0604020202020204" pitchFamily="34" charset="0"/>
+              <a:buChar char="•"/>
+            </a:pPr>
+            <a:r>
+              <a:rPr lang="fr-FR" dirty="0"/>
+              <a:t>Moyens techniques</a:t>
+            </a:r>
+          </a:p>
+          <a:p>
+            <a:pPr marL="342900" indent="-342900">
+              <a:buFont typeface="Arial" panose="020B0604020202020204" pitchFamily="34" charset="0"/>
+              <a:buChar char="•"/>
+            </a:pPr>
+            <a:r>
+              <a:rPr lang="fr-FR" dirty="0"/>
+              <a:t>Workflow</a:t>
+            </a:r>
+          </a:p>
+          <a:p>
+            <a:pPr marL="342900" indent="-342900">
+              <a:buFont typeface="Arial" panose="020B0604020202020204" pitchFamily="34" charset="0"/>
+              <a:buChar char="•"/>
+            </a:pPr>
+            <a:r>
+              <a:rPr lang="fr-FR" dirty="0"/>
+              <a:t>Fonctionnement</a:t>
+            </a:r>
+          </a:p>
+          <a:p>
+            <a:pPr marL="342900" indent="-342900">
+              <a:buFont typeface="Arial" panose="020B0604020202020204" pitchFamily="34" charset="0"/>
+              <a:buChar char="•"/>
+            </a:pPr>
+            <a:r>
+              <a:rPr lang="fr-FR" dirty="0"/>
+              <a:t>Démonstration </a:t>
+            </a:r>
+          </a:p>
+          <a:p>
+            <a:pPr marL="342900" indent="-342900">
+              <a:buFont typeface="Arial" panose="020B0604020202020204" pitchFamily="34" charset="0"/>
+              <a:buChar char="•"/>
+            </a:pPr>
+            <a:r>
+              <a:rPr lang="fr-FR" dirty="0"/>
+              <a:t>Conclusion</a:t>
+            </a:r>
+          </a:p>
+          <a:p>
+            <a:pPr marL="342900" indent="-342900">
+              <a:buFont typeface="Arial" panose="020B0604020202020204" pitchFamily="34" charset="0"/>
+              <a:buChar char="•"/>
+            </a:pPr>
+            <a:endParaRPr lang="fr-FR" dirty="0"/>
+          </a:p>
+        </p:txBody>
+      </p:sp>
+      <p:sp>
+        <p:nvSpPr>
+          <p:cNvPr id="4" name="Espace réservé du numéro de diapositive 3">
+            <a:extLst>
+              <a:ext uri="{FF2B5EF4-FFF2-40B4-BE49-F238E27FC236}">
+                <a16:creationId xmlns:a16="http://schemas.microsoft.com/office/drawing/2014/main" id="{A98F012C-EE03-C918-672F-A831916A4839}"/>
+              </a:ext>
+            </a:extLst>
+          </p:cNvPr>
+          <p:cNvSpPr>
+            <a:spLocks noGrp="1"/>
+          </p:cNvSpPr>
+          <p:nvPr>
+            <p:ph type="sldNum" sz="quarter" idx="12"/>
+          </p:nvPr>
+        </p:nvSpPr>
+        <p:spPr/>
+        <p:txBody>
+          <a:bodyPr/>
+          <a:lstStyle/>
+          <a:p>
+            <a:fld id="{1F646F3F-274D-499B-ABBE-824EB4ABDC3D}" type="slidenum">
+              <a:rPr lang="en-US" smtClean="0"/>
+              <a:t>2</a:t>
+            </a:fld>
+            <a:endParaRPr lang="en-US"/>
+          </a:p>
+        </p:txBody>
+      </p:sp>
+    </p:spTree>
+    <p:extLst>
+      <p:ext uri="{BB962C8B-B14F-4D97-AF65-F5344CB8AC3E}">
+        <p14:creationId xmlns:p14="http://schemas.microsoft.com/office/powerpoint/2010/main" val="3432388174"/>
+      </p:ext>
+    </p:extLst>
+  </p:cSld>
+  <p:clrMapOvr>
+    <a:masterClrMapping/>
+  </p:clrMapOvr>
+  <mc:AlternateContent xmlns:mc="http://schemas.openxmlformats.org/markup-compatibility/2006">
+    <mc:Choice xmlns:p14="http://schemas.microsoft.com/office/powerpoint/2010/main" Requires="p14">
+      <p:transition spd="med" p14:dur="700">
+        <p:fade/>
+      </p:transition>
+    </mc:Choice>
+    <mc:Fallback>
+      <p:transition spd="med">
+        <p:fade/>
+      </p:transition>
+    </mc:Fallback>
+  </mc:AlternateContent>
+</p:sld>
+</file>
+
+<file path=ppt/slides/slide3.xml><?xml version="1.0" encoding="utf-8"?>
+<p:sld xmlns:a="http://schemas.openxmlformats.org/drawingml/2006/main" xmlns:r="http://schemas.openxmlformats.org/officeDocument/2006/relationships" xmlns:p="http://schemas.openxmlformats.org/presentationml/2006/main">
+  <p:cSld>
+    <p:spTree>
+      <p:nvGrpSpPr>
+        <p:cNvPr id="1" name=""/>
+        <p:cNvGrpSpPr/>
+        <p:nvPr/>
+      </p:nvGrpSpPr>
+      <p:grpSpPr>
+        <a:xfrm>
+          <a:off x="0" y="0"/>
+          <a:ext cx="0" cy="0"/>
+          <a:chOff x="0" y="0"/>
+          <a:chExt cx="0" cy="0"/>
+        </a:xfrm>
+      </p:grpSpPr>
+      <p:sp>
+        <p:nvSpPr>
+          <p:cNvPr id="2" name="Titre 1">
+            <a:extLst>
+              <a:ext uri="{FF2B5EF4-FFF2-40B4-BE49-F238E27FC236}">
+                <a16:creationId xmlns:a16="http://schemas.microsoft.com/office/drawing/2014/main" id="{A8243D4F-55ED-E7B5-2C3B-05E8568A93D3}"/>
+              </a:ext>
+            </a:extLst>
+          </p:cNvPr>
+          <p:cNvSpPr>
+            <a:spLocks noGrp="1"/>
+          </p:cNvSpPr>
+          <p:nvPr>
+            <p:ph type="title"/>
+          </p:nvPr>
+        </p:nvSpPr>
+        <p:spPr/>
+        <p:txBody>
+          <a:bodyPr/>
+          <a:lstStyle/>
+          <a:p>
+            <a:r>
+              <a:rPr lang="fr-FR" dirty="0"/>
+              <a:t>Contexte</a:t>
+            </a:r>
+          </a:p>
+        </p:txBody>
+      </p:sp>
+      <p:sp>
+        <p:nvSpPr>
+          <p:cNvPr id="3" name="Espace réservé du contenu 2">
+            <a:extLst>
+              <a:ext uri="{FF2B5EF4-FFF2-40B4-BE49-F238E27FC236}">
+                <a16:creationId xmlns:a16="http://schemas.microsoft.com/office/drawing/2014/main" id="{AA9A76EC-2214-EC6D-5113-7C81B88EB389}"/>
+              </a:ext>
+            </a:extLst>
+          </p:cNvPr>
+          <p:cNvSpPr>
+            <a:spLocks noGrp="1"/>
+          </p:cNvSpPr>
+          <p:nvPr>
+            <p:ph idx="1"/>
+          </p:nvPr>
+        </p:nvSpPr>
+        <p:spPr>
+          <a:xfrm>
+            <a:off x="6720984" y="2106204"/>
+            <a:ext cx="4948518" cy="3541561"/>
+          </a:xfrm>
+        </p:spPr>
+        <p:txBody>
+          <a:bodyPr/>
+          <a:lstStyle/>
+          <a:p>
+            <a:pPr marL="342900" indent="-342900">
+              <a:buFont typeface="Arial" panose="020B0604020202020204" pitchFamily="34" charset="0"/>
+              <a:buChar char="•"/>
+            </a:pPr>
+            <a:r>
+              <a:rPr lang="fr-FR" dirty="0"/>
+              <a:t>Trois capteurs sonores </a:t>
+            </a:r>
+          </a:p>
+          <a:p>
+            <a:pPr marL="342900" indent="-342900">
+              <a:buFont typeface="Arial" panose="020B0604020202020204" pitchFamily="34" charset="0"/>
+              <a:buChar char="•"/>
+            </a:pPr>
+            <a:r>
+              <a:rPr lang="fr-FR" dirty="0"/>
+              <a:t>Espace en deux dimensions cadrillage 16x16 (0.5x0.5m)</a:t>
+            </a:r>
+          </a:p>
+          <a:p>
+            <a:pPr marL="342900" indent="-342900">
+              <a:buFont typeface="Arial" panose="020B0604020202020204" pitchFamily="34" charset="0"/>
+              <a:buChar char="•"/>
+            </a:pPr>
+            <a:r>
+              <a:rPr lang="fr-FR" dirty="0"/>
+              <a:t>Trois micro en (0.25,0.25), (0.25,7.75), (7.75,7.75)</a:t>
+            </a:r>
+          </a:p>
+          <a:p>
+            <a:pPr marL="342900" indent="-342900">
+              <a:buFont typeface="Arial" panose="020B0604020202020204" pitchFamily="34" charset="0"/>
+              <a:buChar char="•"/>
+            </a:pPr>
+            <a:r>
+              <a:rPr lang="fr-FR" dirty="0"/>
+              <a:t>Trouver l’emplacement de l’objet grâce au son des micros</a:t>
+            </a:r>
+          </a:p>
+          <a:p>
+            <a:pPr marL="342900" indent="-342900">
+              <a:buFont typeface="Arial" panose="020B0604020202020204" pitchFamily="34" charset="0"/>
+              <a:buChar char="•"/>
+            </a:pPr>
+            <a:endParaRPr lang="fr-FR" dirty="0"/>
+          </a:p>
+        </p:txBody>
+      </p:sp>
+      <p:pic>
+        <p:nvPicPr>
+          <p:cNvPr id="5" name="Image 4">
+            <a:extLst>
+              <a:ext uri="{FF2B5EF4-FFF2-40B4-BE49-F238E27FC236}">
+                <a16:creationId xmlns:a16="http://schemas.microsoft.com/office/drawing/2014/main" id="{E9E02CDC-F95D-844E-94D1-0CA07CF3806D}"/>
+              </a:ext>
+            </a:extLst>
+          </p:cNvPr>
+          <p:cNvPicPr>
+            <a:picLocks noChangeAspect="1"/>
+          </p:cNvPicPr>
+          <p:nvPr/>
+        </p:nvPicPr>
+        <p:blipFill rotWithShape="1">
+          <a:blip r:embed="rId2"/>
+          <a:srcRect l="746" t="349" b="1448"/>
+          <a:stretch/>
+        </p:blipFill>
+        <p:spPr>
+          <a:xfrm>
+            <a:off x="522498" y="2106204"/>
+            <a:ext cx="5573502" cy="3541561"/>
+          </a:xfrm>
+          <a:prstGeom prst="rect">
+            <a:avLst/>
+          </a:prstGeom>
+          <a:ln>
+            <a:noFill/>
+          </a:ln>
+          <a:effectLst>
+            <a:outerShdw blurRad="190500" algn="tl" rotWithShape="0">
+              <a:srgbClr val="000000">
+                <a:alpha val="70000"/>
+              </a:srgbClr>
+            </a:outerShdw>
+          </a:effectLst>
+        </p:spPr>
+      </p:pic>
+      <p:sp>
+        <p:nvSpPr>
+          <p:cNvPr id="4" name="Espace réservé du numéro de diapositive 3">
+            <a:extLst>
+              <a:ext uri="{FF2B5EF4-FFF2-40B4-BE49-F238E27FC236}">
+                <a16:creationId xmlns:a16="http://schemas.microsoft.com/office/drawing/2014/main" id="{06D5D773-E81D-4D13-F2D4-E0434A9A01CE}"/>
+              </a:ext>
+            </a:extLst>
+          </p:cNvPr>
+          <p:cNvSpPr>
+            <a:spLocks noGrp="1"/>
+          </p:cNvSpPr>
+          <p:nvPr>
+            <p:ph type="sldNum" sz="quarter" idx="12"/>
+          </p:nvPr>
+        </p:nvSpPr>
+        <p:spPr/>
+        <p:txBody>
+          <a:bodyPr/>
+          <a:lstStyle/>
+          <a:p>
+            <a:fld id="{1F646F3F-274D-499B-ABBE-824EB4ABDC3D}" type="slidenum">
+              <a:rPr lang="en-US" smtClean="0"/>
+              <a:t>3</a:t>
+            </a:fld>
+            <a:endParaRPr lang="en-US"/>
+          </a:p>
+        </p:txBody>
+      </p:sp>
+      <p:sp>
+        <p:nvSpPr>
+          <p:cNvPr id="6" name="ZoneTexte 5">
+            <a:extLst>
+              <a:ext uri="{FF2B5EF4-FFF2-40B4-BE49-F238E27FC236}">
+                <a16:creationId xmlns:a16="http://schemas.microsoft.com/office/drawing/2014/main" id="{249A7E50-A9D9-5D29-51E5-B4046859ED3A}"/>
+              </a:ext>
+            </a:extLst>
+          </p:cNvPr>
+          <p:cNvSpPr txBox="1"/>
+          <p:nvPr/>
+        </p:nvSpPr>
+        <p:spPr>
+          <a:xfrm>
+            <a:off x="1020618" y="136525"/>
+            <a:ext cx="10150764" cy="338554"/>
+          </a:xfrm>
+          <a:prstGeom prst="rect">
+            <a:avLst/>
+          </a:prstGeom>
+          <a:noFill/>
+        </p:spPr>
+        <p:txBody>
+          <a:bodyPr wrap="square" rtlCol="0">
+            <a:spAutoFit/>
+          </a:bodyPr>
+          <a:lstStyle/>
+          <a:p>
+            <a:pPr algn="ctr"/>
+            <a:r>
+              <a:rPr lang="fr-FR" sz="1600" dirty="0">
+                <a:solidFill>
+                  <a:srgbClr val="0070C0"/>
+                </a:solidFill>
+              </a:rPr>
+              <a:t>Contexte</a:t>
+            </a:r>
+            <a:r>
+              <a:rPr lang="fr-FR" sz="1600" dirty="0"/>
+              <a:t> | Moyens techniques | Workflow | Fonctionnement | Démonstration | Conclusion  </a:t>
+            </a:r>
+          </a:p>
+        </p:txBody>
+      </p:sp>
+    </p:spTree>
+    <p:extLst>
+      <p:ext uri="{BB962C8B-B14F-4D97-AF65-F5344CB8AC3E}">
+        <p14:creationId xmlns:p14="http://schemas.microsoft.com/office/powerpoint/2010/main" val="1596097550"/>
+      </p:ext>
+    </p:extLst>
+  </p:cSld>
+  <p:clrMapOvr>
+    <a:masterClrMapping/>
+  </p:clrMapOvr>
+  <mc:AlternateContent xmlns:mc="http://schemas.openxmlformats.org/markup-compatibility/2006">
+    <mc:Choice xmlns:p14="http://schemas.microsoft.com/office/powerpoint/2010/main" Requires="p14">
+      <p:transition spd="med" p14:dur="700">
+        <p:fade/>
+      </p:transition>
+    </mc:Choice>
+    <mc:Fallback>
+      <p:transition spd="med">
+        <p:fade/>
+      </p:transition>
+    </mc:Fallback>
+  </mc:AlternateContent>
+</p:sld>
+</file>
+
+<file path=ppt/slides/slide4.xml><?xml version="1.0" encoding="utf-8"?>
+<p:sld xmlns:a="http://schemas.openxmlformats.org/drawingml/2006/main" xmlns:r="http://schemas.openxmlformats.org/officeDocument/2006/relationships" xmlns:p="http://schemas.openxmlformats.org/presentationml/2006/main">
+  <p:cSld>
+    <p:spTree>
+      <p:nvGrpSpPr>
+        <p:cNvPr id="1" name=""/>
+        <p:cNvGrpSpPr/>
+        <p:nvPr/>
+      </p:nvGrpSpPr>
+      <p:grpSpPr>
+        <a:xfrm>
+          <a:off x="0" y="0"/>
+          <a:ext cx="0" cy="0"/>
+          <a:chOff x="0" y="0"/>
+          <a:chExt cx="0" cy="0"/>
+        </a:xfrm>
+      </p:grpSpPr>
+      <p:sp>
+        <p:nvSpPr>
+          <p:cNvPr id="2" name="Titre 1">
+            <a:extLst>
+              <a:ext uri="{FF2B5EF4-FFF2-40B4-BE49-F238E27FC236}">
+                <a16:creationId xmlns:a16="http://schemas.microsoft.com/office/drawing/2014/main" id="{3D729131-112F-C3A6-B18D-925D67A5600C}"/>
+              </a:ext>
+            </a:extLst>
+          </p:cNvPr>
+          <p:cNvSpPr>
+            <a:spLocks noGrp="1"/>
+          </p:cNvSpPr>
+          <p:nvPr>
+            <p:ph type="title"/>
+          </p:nvPr>
+        </p:nvSpPr>
+        <p:spPr/>
+        <p:txBody>
+          <a:bodyPr/>
+          <a:lstStyle/>
+          <a:p>
+            <a:r>
+              <a:rPr lang="fr-FR" dirty="0"/>
+              <a:t>Moyens techniques</a:t>
+            </a:r>
+          </a:p>
+        </p:txBody>
+      </p:sp>
+      <p:sp>
+        <p:nvSpPr>
+          <p:cNvPr id="3" name="Espace réservé du contenu 2">
+            <a:extLst>
+              <a:ext uri="{FF2B5EF4-FFF2-40B4-BE49-F238E27FC236}">
+                <a16:creationId xmlns:a16="http://schemas.microsoft.com/office/drawing/2014/main" id="{AD3F16F4-06CB-E558-3E8A-A988A1D48B62}"/>
+              </a:ext>
+            </a:extLst>
+          </p:cNvPr>
+          <p:cNvSpPr>
+            <a:spLocks noGrp="1"/>
+          </p:cNvSpPr>
+          <p:nvPr>
+            <p:ph idx="1"/>
+          </p:nvPr>
+        </p:nvSpPr>
+        <p:spPr/>
+        <p:txBody>
+          <a:bodyPr/>
+          <a:lstStyle/>
+          <a:p>
+            <a:pPr marL="342900" indent="-342900">
+              <a:buFont typeface="Arial" panose="020B0604020202020204" pitchFamily="34" charset="0"/>
+              <a:buChar char="•"/>
+            </a:pPr>
+            <a:r>
+              <a:rPr lang="fr-FR" dirty="0"/>
+              <a:t>Un Raspberry Pi</a:t>
+            </a:r>
+          </a:p>
+          <a:p>
+            <a:pPr marL="571500" lvl="1" indent="-342900">
+              <a:buFont typeface="Arial" panose="020B0604020202020204" pitchFamily="34" charset="0"/>
+              <a:buChar char="•"/>
+            </a:pPr>
+            <a:r>
+              <a:rPr lang="fr-FR" dirty="0"/>
+              <a:t>Distribution Diet Pi (Debian allégé)</a:t>
+            </a:r>
+          </a:p>
+          <a:p>
+            <a:pPr marL="571500" lvl="1" indent="-342900">
+              <a:buFont typeface="Arial" panose="020B0604020202020204" pitchFamily="34" charset="0"/>
+              <a:buChar char="•"/>
+            </a:pPr>
+            <a:r>
+              <a:rPr lang="fr-FR" dirty="0"/>
+              <a:t>Docker engine </a:t>
+            </a:r>
+          </a:p>
+          <a:p>
+            <a:pPr marL="571500" lvl="1" indent="-342900">
+              <a:buFont typeface="Arial" panose="020B0604020202020204" pitchFamily="34" charset="0"/>
+              <a:buChar char="•"/>
+            </a:pPr>
+            <a:r>
+              <a:rPr lang="fr-FR" dirty="0"/>
+              <a:t>Docker compose</a:t>
+            </a:r>
+          </a:p>
+          <a:p>
+            <a:pPr marL="342900" indent="-342900">
+              <a:buFont typeface="Arial" panose="020B0604020202020204" pitchFamily="34" charset="0"/>
+              <a:buChar char="•"/>
+            </a:pPr>
+            <a:r>
+              <a:rPr lang="fr-FR" dirty="0"/>
+              <a:t>Scripts PHP </a:t>
+            </a:r>
+          </a:p>
+          <a:p>
+            <a:pPr marL="571500" lvl="1" indent="-342900">
+              <a:buFont typeface="Arial" panose="020B0604020202020204" pitchFamily="34" charset="0"/>
+              <a:buChar char="•"/>
+            </a:pPr>
+            <a:r>
+              <a:rPr lang="fr-FR" dirty="0"/>
+              <a:t>Génération et codage des positions en binaire </a:t>
+            </a:r>
+          </a:p>
+          <a:p>
+            <a:pPr marL="571500" lvl="1" indent="-342900">
+              <a:buFont typeface="Arial" panose="020B0604020202020204" pitchFamily="34" charset="0"/>
+              <a:buChar char="•"/>
+            </a:pPr>
+            <a:r>
+              <a:rPr lang="fr-FR" dirty="0"/>
+              <a:t>Envoi sur broker MQTT</a:t>
+            </a:r>
+          </a:p>
+          <a:p>
+            <a:pPr marL="571500" lvl="1" indent="-342900">
+              <a:buFont typeface="Arial" panose="020B0604020202020204" pitchFamily="34" charset="0"/>
+              <a:buChar char="•"/>
+            </a:pPr>
+            <a:r>
+              <a:rPr lang="fr-FR" dirty="0"/>
+              <a:t>Réceptions messages binaire </a:t>
+            </a:r>
+          </a:p>
+          <a:p>
+            <a:pPr marL="571500" lvl="1" indent="-342900">
+              <a:buFont typeface="Arial" panose="020B0604020202020204" pitchFamily="34" charset="0"/>
+              <a:buChar char="•"/>
+            </a:pPr>
+            <a:r>
+              <a:rPr lang="fr-FR" dirty="0"/>
+              <a:t>Insertion postions et journaux dans base de donnée. </a:t>
+            </a:r>
+          </a:p>
+        </p:txBody>
+      </p:sp>
+      <p:sp>
+        <p:nvSpPr>
+          <p:cNvPr id="4" name="Espace réservé du numéro de diapositive 3">
+            <a:extLst>
+              <a:ext uri="{FF2B5EF4-FFF2-40B4-BE49-F238E27FC236}">
+                <a16:creationId xmlns:a16="http://schemas.microsoft.com/office/drawing/2014/main" id="{9E35D121-4642-4450-DC6C-72EB21F9866F}"/>
+              </a:ext>
+            </a:extLst>
+          </p:cNvPr>
+          <p:cNvSpPr>
+            <a:spLocks noGrp="1"/>
+          </p:cNvSpPr>
+          <p:nvPr>
+            <p:ph type="sldNum" sz="quarter" idx="12"/>
+          </p:nvPr>
+        </p:nvSpPr>
+        <p:spPr/>
+        <p:txBody>
+          <a:bodyPr/>
+          <a:lstStyle/>
+          <a:p>
+            <a:fld id="{1F646F3F-274D-499B-ABBE-824EB4ABDC3D}" type="slidenum">
+              <a:rPr lang="en-US" smtClean="0"/>
+              <a:t>4</a:t>
+            </a:fld>
+            <a:endParaRPr lang="en-US"/>
+          </a:p>
+        </p:txBody>
+      </p:sp>
+      <p:sp>
+        <p:nvSpPr>
+          <p:cNvPr id="5" name="ZoneTexte 4">
+            <a:extLst>
+              <a:ext uri="{FF2B5EF4-FFF2-40B4-BE49-F238E27FC236}">
+                <a16:creationId xmlns:a16="http://schemas.microsoft.com/office/drawing/2014/main" id="{68B7CE7F-0E30-17E0-DD01-C0463C334AFF}"/>
+              </a:ext>
+            </a:extLst>
+          </p:cNvPr>
+          <p:cNvSpPr txBox="1"/>
+          <p:nvPr/>
+        </p:nvSpPr>
+        <p:spPr>
+          <a:xfrm>
+            <a:off x="1020618" y="136525"/>
+            <a:ext cx="10150764" cy="338554"/>
+          </a:xfrm>
+          <a:prstGeom prst="rect">
+            <a:avLst/>
+          </a:prstGeom>
+          <a:noFill/>
+        </p:spPr>
+        <p:txBody>
+          <a:bodyPr wrap="square" rtlCol="0">
+            <a:spAutoFit/>
+          </a:bodyPr>
+          <a:lstStyle/>
+          <a:p>
+            <a:pPr algn="ctr"/>
+            <a:r>
+              <a:rPr lang="fr-FR" sz="1600" dirty="0"/>
+              <a:t>Contexte | </a:t>
+            </a:r>
+            <a:r>
+              <a:rPr lang="fr-FR" sz="1600" dirty="0">
+                <a:solidFill>
+                  <a:srgbClr val="0070C0"/>
+                </a:solidFill>
+              </a:rPr>
+              <a:t>Moyens techniques </a:t>
+            </a:r>
+            <a:r>
+              <a:rPr lang="fr-FR" sz="1600" dirty="0"/>
+              <a:t>| Workflow | Fonctionnement | Démonstration | Conclusion  </a:t>
+            </a:r>
+          </a:p>
+        </p:txBody>
+      </p:sp>
+    </p:spTree>
+    <p:extLst>
+      <p:ext uri="{BB962C8B-B14F-4D97-AF65-F5344CB8AC3E}">
+        <p14:creationId xmlns:p14="http://schemas.microsoft.com/office/powerpoint/2010/main" val="3079187146"/>
+      </p:ext>
+    </p:extLst>
+  </p:cSld>
+  <p:clrMapOvr>
+    <a:masterClrMapping/>
+  </p:clrMapOvr>
+  <mc:AlternateContent xmlns:mc="http://schemas.openxmlformats.org/markup-compatibility/2006">
+    <mc:Choice xmlns:p14="http://schemas.microsoft.com/office/powerpoint/2010/main" Requires="p14">
+      <p:transition spd="med" p14:dur="700">
+        <p:fade/>
+      </p:transition>
+    </mc:Choice>
+    <mc:Fallback>
+      <p:transition spd="med">
+        <p:fade/>
+      </p:transition>
+    </mc:Fallback>
+  </mc:AlternateContent>
+</p:sld>
+</file>
+
+<file path=ppt/slides/slide5.xml><?xml version="1.0" encoding="utf-8"?>
+<p:sld xmlns:a="http://schemas.openxmlformats.org/drawingml/2006/main" xmlns:r="http://schemas.openxmlformats.org/officeDocument/2006/relationships" xmlns:p="http://schemas.openxmlformats.org/presentationml/2006/main">
+  <p:cSld>
+    <p:spTree>
+      <p:nvGrpSpPr>
+        <p:cNvPr id="1" name=""/>
+        <p:cNvGrpSpPr/>
+        <p:nvPr/>
+      </p:nvGrpSpPr>
+      <p:grpSpPr>
+        <a:xfrm>
+          <a:off x="0" y="0"/>
+          <a:ext cx="0" cy="0"/>
+          <a:chOff x="0" y="0"/>
+          <a:chExt cx="0" cy="0"/>
+        </a:xfrm>
+      </p:grpSpPr>
+      <p:sp>
+        <p:nvSpPr>
+          <p:cNvPr id="2" name="Titre 1">
+            <a:extLst>
+              <a:ext uri="{FF2B5EF4-FFF2-40B4-BE49-F238E27FC236}">
+                <a16:creationId xmlns:a16="http://schemas.microsoft.com/office/drawing/2014/main" id="{5219094A-E7A7-2DF8-8E05-EF637837D85C}"/>
+              </a:ext>
+            </a:extLst>
+          </p:cNvPr>
+          <p:cNvSpPr>
+            <a:spLocks noGrp="1"/>
+          </p:cNvSpPr>
+          <p:nvPr>
+            <p:ph type="title"/>
+          </p:nvPr>
+        </p:nvSpPr>
+        <p:spPr/>
+        <p:txBody>
+          <a:bodyPr/>
+          <a:lstStyle/>
+          <a:p>
+            <a:r>
+              <a:rPr lang="fr-FR" dirty="0"/>
+              <a:t>Moyens techniques</a:t>
+            </a:r>
+          </a:p>
+        </p:txBody>
+      </p:sp>
+      <p:sp>
+        <p:nvSpPr>
+          <p:cNvPr id="3" name="Espace réservé du contenu 2">
+            <a:extLst>
+              <a:ext uri="{FF2B5EF4-FFF2-40B4-BE49-F238E27FC236}">
+                <a16:creationId xmlns:a16="http://schemas.microsoft.com/office/drawing/2014/main" id="{F7F46C39-4D1B-798A-6840-4B566C846F57}"/>
+              </a:ext>
+            </a:extLst>
+          </p:cNvPr>
+          <p:cNvSpPr>
+            <a:spLocks noGrp="1"/>
+          </p:cNvSpPr>
+          <p:nvPr>
+            <p:ph idx="1"/>
+          </p:nvPr>
+        </p:nvSpPr>
+        <p:spPr>
+          <a:xfrm>
+            <a:off x="8469745" y="2106204"/>
+            <a:ext cx="3620655" cy="4267200"/>
+          </a:xfrm>
+        </p:spPr>
+        <p:txBody>
+          <a:bodyPr/>
+          <a:lstStyle/>
+          <a:p>
+            <a:pPr marL="342900" indent="-342900">
+              <a:buFont typeface="Arial" panose="020B0604020202020204" pitchFamily="34" charset="0"/>
+              <a:buChar char="•"/>
+            </a:pPr>
+            <a:r>
+              <a:rPr lang="fr-FR" dirty="0"/>
+              <a:t>Base de donnée </a:t>
+            </a:r>
+            <a:r>
+              <a:rPr lang="fr-FR" dirty="0" err="1"/>
+              <a:t>MariaDB</a:t>
+            </a:r>
+            <a:endParaRPr lang="fr-FR" dirty="0"/>
+          </a:p>
+          <a:p>
+            <a:pPr marL="342900" indent="-342900">
+              <a:buFont typeface="Arial" panose="020B0604020202020204" pitchFamily="34" charset="0"/>
+              <a:buChar char="•"/>
+            </a:pPr>
+            <a:r>
+              <a:rPr lang="fr-FR" dirty="0"/>
+              <a:t>Clé étrangère sur les tables « mesures » et « distance » vers table « position »</a:t>
+            </a:r>
+          </a:p>
+          <a:p>
+            <a:pPr marL="342900" indent="-342900">
+              <a:buFont typeface="Arial" panose="020B0604020202020204" pitchFamily="34" charset="0"/>
+              <a:buChar char="•"/>
+            </a:pPr>
+            <a:r>
+              <a:rPr lang="fr-FR" dirty="0"/>
+              <a:t>Table « distances », « position » et « amplitude » générées préalablement. </a:t>
+            </a:r>
+          </a:p>
+          <a:p>
+            <a:pPr marL="342900" indent="-342900">
+              <a:buFont typeface="Arial" panose="020B0604020202020204" pitchFamily="34" charset="0"/>
+              <a:buChar char="•"/>
+            </a:pPr>
+            <a:endParaRPr lang="fr-FR" dirty="0"/>
+          </a:p>
+          <a:p>
+            <a:pPr marL="342900" indent="-342900">
+              <a:buFont typeface="Arial" panose="020B0604020202020204" pitchFamily="34" charset="0"/>
+              <a:buChar char="•"/>
+            </a:pPr>
+            <a:endParaRPr lang="fr-FR" dirty="0"/>
+          </a:p>
+        </p:txBody>
+      </p:sp>
+      <p:pic>
+        <p:nvPicPr>
+          <p:cNvPr id="5" name="Image 4">
+            <a:extLst>
+              <a:ext uri="{FF2B5EF4-FFF2-40B4-BE49-F238E27FC236}">
+                <a16:creationId xmlns:a16="http://schemas.microsoft.com/office/drawing/2014/main" id="{B2EF1114-9065-353F-F266-CB38954F89D4}"/>
+              </a:ext>
+            </a:extLst>
+          </p:cNvPr>
+          <p:cNvPicPr>
+            <a:picLocks noChangeAspect="1"/>
+          </p:cNvPicPr>
+          <p:nvPr/>
+        </p:nvPicPr>
+        <p:blipFill rotWithShape="1">
+          <a:blip r:embed="rId2"/>
+          <a:srcRect l="3376" t="8983" r="4647" b="9425"/>
+          <a:stretch/>
+        </p:blipFill>
+        <p:spPr>
+          <a:xfrm>
+            <a:off x="369453" y="2106204"/>
+            <a:ext cx="8017165" cy="4267200"/>
+          </a:xfrm>
+          <a:prstGeom prst="rect">
+            <a:avLst/>
+          </a:prstGeom>
+          <a:ln>
+            <a:noFill/>
+          </a:ln>
+          <a:effectLst>
+            <a:outerShdw blurRad="190500" algn="tl" rotWithShape="0">
+              <a:srgbClr val="000000">
+                <a:alpha val="70000"/>
+              </a:srgbClr>
+            </a:outerShdw>
+          </a:effectLst>
+        </p:spPr>
+      </p:pic>
+      <p:sp>
+        <p:nvSpPr>
+          <p:cNvPr id="4" name="Espace réservé du numéro de diapositive 3">
+            <a:extLst>
+              <a:ext uri="{FF2B5EF4-FFF2-40B4-BE49-F238E27FC236}">
+                <a16:creationId xmlns:a16="http://schemas.microsoft.com/office/drawing/2014/main" id="{D7D3462B-CC95-81AE-6EAF-411539B0D108}"/>
+              </a:ext>
+            </a:extLst>
+          </p:cNvPr>
+          <p:cNvSpPr>
+            <a:spLocks noGrp="1"/>
+          </p:cNvSpPr>
+          <p:nvPr>
+            <p:ph type="sldNum" sz="quarter" idx="12"/>
+          </p:nvPr>
+        </p:nvSpPr>
+        <p:spPr/>
+        <p:txBody>
+          <a:bodyPr/>
+          <a:lstStyle/>
+          <a:p>
+            <a:fld id="{1F646F3F-274D-499B-ABBE-824EB4ABDC3D}" type="slidenum">
+              <a:rPr lang="en-US" smtClean="0"/>
+              <a:t>5</a:t>
+            </a:fld>
+            <a:endParaRPr lang="en-US"/>
+          </a:p>
+        </p:txBody>
+      </p:sp>
+      <p:sp>
+        <p:nvSpPr>
+          <p:cNvPr id="6" name="ZoneTexte 5">
+            <a:extLst>
+              <a:ext uri="{FF2B5EF4-FFF2-40B4-BE49-F238E27FC236}">
+                <a16:creationId xmlns:a16="http://schemas.microsoft.com/office/drawing/2014/main" id="{DE7DD79C-C6F2-AD3B-3A94-EBC4AF17853F}"/>
+              </a:ext>
+            </a:extLst>
+          </p:cNvPr>
+          <p:cNvSpPr txBox="1"/>
+          <p:nvPr/>
+        </p:nvSpPr>
+        <p:spPr>
+          <a:xfrm>
+            <a:off x="1020618" y="136525"/>
+            <a:ext cx="10150764" cy="338554"/>
+          </a:xfrm>
+          <a:prstGeom prst="rect">
+            <a:avLst/>
+          </a:prstGeom>
+          <a:noFill/>
+        </p:spPr>
+        <p:txBody>
+          <a:bodyPr wrap="square" rtlCol="0">
+            <a:spAutoFit/>
+          </a:bodyPr>
+          <a:lstStyle/>
+          <a:p>
+            <a:pPr algn="ctr"/>
+            <a:r>
+              <a:rPr lang="fr-FR" sz="1600" dirty="0"/>
+              <a:t>Contexte | </a:t>
+            </a:r>
+            <a:r>
+              <a:rPr lang="fr-FR" sz="1600" dirty="0">
+                <a:solidFill>
+                  <a:srgbClr val="0070C0"/>
+                </a:solidFill>
+              </a:rPr>
+              <a:t>Moyens techniques </a:t>
+            </a:r>
+            <a:r>
+              <a:rPr lang="fr-FR" sz="1600" dirty="0"/>
+              <a:t>| Workflow | Fonctionnement | Démonstration | Conclusion  </a:t>
+            </a:r>
+          </a:p>
+        </p:txBody>
+      </p:sp>
+    </p:spTree>
+    <p:extLst>
+      <p:ext uri="{BB962C8B-B14F-4D97-AF65-F5344CB8AC3E}">
+        <p14:creationId xmlns:p14="http://schemas.microsoft.com/office/powerpoint/2010/main" val="796678452"/>
+      </p:ext>
+    </p:extLst>
+  </p:cSld>
+  <p:clrMapOvr>
+    <a:masterClrMapping/>
+  </p:clrMapOvr>
+  <mc:AlternateContent xmlns:mc="http://schemas.openxmlformats.org/markup-compatibility/2006">
+    <mc:Choice xmlns:p14="http://schemas.microsoft.com/office/powerpoint/2010/main" Requires="p14">
+      <p:transition spd="med" p14:dur="700">
+        <p:fade/>
+      </p:transition>
+    </mc:Choice>
+    <mc:Fallback>
+      <p:transition spd="med">
+        <p:fade/>
+      </p:transition>
+    </mc:Fallback>
+  </mc:AlternateContent>
+</p:sld>
+</file>
+
+<file path=ppt/slides/slide6.xml><?xml version="1.0" encoding="utf-8"?>
+<p:sld xmlns:a="http://schemas.openxmlformats.org/drawingml/2006/main" xmlns:r="http://schemas.openxmlformats.org/officeDocument/2006/relationships" xmlns:p="http://schemas.openxmlformats.org/presentationml/2006/main">
+  <p:cSld>
+    <p:spTree>
+      <p:nvGrpSpPr>
+        <p:cNvPr id="1" name=""/>
+        <p:cNvGrpSpPr/>
+        <p:nvPr/>
+      </p:nvGrpSpPr>
+      <p:grpSpPr>
+        <a:xfrm>
+          <a:off x="0" y="0"/>
+          <a:ext cx="0" cy="0"/>
+          <a:chOff x="0" y="0"/>
+          <a:chExt cx="0" cy="0"/>
+        </a:xfrm>
+      </p:grpSpPr>
+      <p:sp>
+        <p:nvSpPr>
+          <p:cNvPr id="2" name="Titre 1">
+            <a:extLst>
+              <a:ext uri="{FF2B5EF4-FFF2-40B4-BE49-F238E27FC236}">
+                <a16:creationId xmlns:a16="http://schemas.microsoft.com/office/drawing/2014/main" id="{E001886A-7918-577C-79DF-65AFC18B0F3A}"/>
+              </a:ext>
+            </a:extLst>
+          </p:cNvPr>
+          <p:cNvSpPr>
+            <a:spLocks noGrp="1"/>
+          </p:cNvSpPr>
+          <p:nvPr>
+            <p:ph type="title"/>
+          </p:nvPr>
+        </p:nvSpPr>
+        <p:spPr/>
+        <p:txBody>
+          <a:bodyPr/>
+          <a:lstStyle/>
+          <a:p>
+            <a:r>
+              <a:rPr lang="fr-FR" dirty="0"/>
+              <a:t>Workflow</a:t>
+            </a:r>
+          </a:p>
+        </p:txBody>
+      </p:sp>
+      <p:pic>
+        <p:nvPicPr>
+          <p:cNvPr id="5" name="Image 4">
+            <a:extLst>
+              <a:ext uri="{FF2B5EF4-FFF2-40B4-BE49-F238E27FC236}">
+                <a16:creationId xmlns:a16="http://schemas.microsoft.com/office/drawing/2014/main" id="{311843B8-B647-92C8-05AD-A0DE67B86DBB}"/>
+              </a:ext>
+            </a:extLst>
+          </p:cNvPr>
+          <p:cNvPicPr>
+            <a:picLocks noChangeAspect="1"/>
+          </p:cNvPicPr>
+          <p:nvPr/>
+        </p:nvPicPr>
+        <p:blipFill>
+          <a:blip r:embed="rId2">
+            <a:extLst>
+              <a:ext uri="{28A0092B-C50C-407E-A947-70E740481C1C}">
+                <a14:useLocalDpi xmlns:a14="http://schemas.microsoft.com/office/drawing/2010/main" val="0"/>
+              </a:ext>
+            </a:extLst>
+          </a:blip>
+          <a:stretch>
+            <a:fillRect/>
+          </a:stretch>
+        </p:blipFill>
+        <p:spPr>
+          <a:xfrm>
+            <a:off x="2723140" y="1883347"/>
+            <a:ext cx="6745720" cy="4628796"/>
+          </a:xfrm>
+          <a:prstGeom prst="rect">
+            <a:avLst/>
+          </a:prstGeom>
+          <a:ln>
+            <a:noFill/>
+          </a:ln>
+          <a:effectLst>
+            <a:outerShdw blurRad="190500" algn="tl" rotWithShape="0">
+              <a:srgbClr val="000000">
+                <a:alpha val="70000"/>
+              </a:srgbClr>
+            </a:outerShdw>
+          </a:effectLst>
+        </p:spPr>
+      </p:pic>
+      <p:sp>
+        <p:nvSpPr>
+          <p:cNvPr id="3" name="Espace réservé du numéro de diapositive 2">
+            <a:extLst>
+              <a:ext uri="{FF2B5EF4-FFF2-40B4-BE49-F238E27FC236}">
+                <a16:creationId xmlns:a16="http://schemas.microsoft.com/office/drawing/2014/main" id="{4496EF81-8243-06D6-8A1F-7745EF11BC27}"/>
+              </a:ext>
+            </a:extLst>
+          </p:cNvPr>
+          <p:cNvSpPr>
+            <a:spLocks noGrp="1"/>
+          </p:cNvSpPr>
+          <p:nvPr>
+            <p:ph type="sldNum" sz="quarter" idx="12"/>
+          </p:nvPr>
+        </p:nvSpPr>
+        <p:spPr/>
+        <p:txBody>
+          <a:bodyPr/>
+          <a:lstStyle/>
+          <a:p>
+            <a:fld id="{1F646F3F-274D-499B-ABBE-824EB4ABDC3D}" type="slidenum">
+              <a:rPr lang="en-US" smtClean="0"/>
+              <a:t>6</a:t>
+            </a:fld>
+            <a:endParaRPr lang="en-US"/>
+          </a:p>
+        </p:txBody>
+      </p:sp>
+      <p:sp>
+        <p:nvSpPr>
+          <p:cNvPr id="6" name="ZoneTexte 5">
+            <a:extLst>
+              <a:ext uri="{FF2B5EF4-FFF2-40B4-BE49-F238E27FC236}">
+                <a16:creationId xmlns:a16="http://schemas.microsoft.com/office/drawing/2014/main" id="{C42F1EDB-65DA-9750-CA51-AD21B704AF71}"/>
+              </a:ext>
+            </a:extLst>
+          </p:cNvPr>
+          <p:cNvSpPr txBox="1"/>
+          <p:nvPr/>
+        </p:nvSpPr>
+        <p:spPr>
+          <a:xfrm>
+            <a:off x="1020618" y="136525"/>
+            <a:ext cx="10150764" cy="338554"/>
+          </a:xfrm>
+          <a:prstGeom prst="rect">
+            <a:avLst/>
+          </a:prstGeom>
+          <a:noFill/>
+        </p:spPr>
+        <p:txBody>
+          <a:bodyPr wrap="square" rtlCol="0">
+            <a:spAutoFit/>
+          </a:bodyPr>
+          <a:lstStyle/>
+          <a:p>
+            <a:pPr algn="ctr"/>
+            <a:r>
+              <a:rPr lang="fr-FR" sz="1600" dirty="0"/>
+              <a:t>Contexte | Moyens techniques | </a:t>
+            </a:r>
+            <a:r>
+              <a:rPr lang="fr-FR" sz="1600" dirty="0">
+                <a:solidFill>
+                  <a:srgbClr val="0070C0"/>
+                </a:solidFill>
+              </a:rPr>
+              <a:t>Workflow</a:t>
+            </a:r>
+            <a:r>
+              <a:rPr lang="fr-FR" sz="1600" dirty="0"/>
+              <a:t> | Fonctionnement | Démonstration | Conclusion  </a:t>
+            </a:r>
+          </a:p>
+        </p:txBody>
+      </p:sp>
+    </p:spTree>
+    <p:extLst>
+      <p:ext uri="{BB962C8B-B14F-4D97-AF65-F5344CB8AC3E}">
+        <p14:creationId xmlns:p14="http://schemas.microsoft.com/office/powerpoint/2010/main" val="15663529"/>
+      </p:ext>
+    </p:extLst>
+  </p:cSld>
+  <p:clrMapOvr>
+    <a:masterClrMapping/>
+  </p:clrMapOvr>
+  <mc:AlternateContent xmlns:mc="http://schemas.openxmlformats.org/markup-compatibility/2006">
+    <mc:Choice xmlns:p14="http://schemas.microsoft.com/office/powerpoint/2010/main" Requires="p14">
+      <p:transition spd="med" p14:dur="700">
+        <p:fade/>
+      </p:transition>
+    </mc:Choice>
+    <mc:Fallback>
+      <p:transition spd="med">
+        <p:fade/>
+      </p:transition>
+    </mc:Fallback>
+  </mc:AlternateContent>
+</p:sld>
+</file>
+
+<file path=ppt/slides/slide7.xml><?xml version="1.0" encoding="utf-8"?>
+<p:sld xmlns:a="http://schemas.openxmlformats.org/drawingml/2006/main" xmlns:r="http://schemas.openxmlformats.org/officeDocument/2006/relationships" xmlns:p="http://schemas.openxmlformats.org/presentationml/2006/main">
+  <p:cSld>
+    <p:spTree>
+      <p:nvGrpSpPr>
+        <p:cNvPr id="1" name=""/>
+        <p:cNvGrpSpPr/>
+        <p:nvPr/>
+      </p:nvGrpSpPr>
+      <p:grpSpPr>
+        <a:xfrm>
+          <a:off x="0" y="0"/>
+          <a:ext cx="0" cy="0"/>
+          <a:chOff x="0" y="0"/>
+          <a:chExt cx="0" cy="0"/>
+        </a:xfrm>
+      </p:grpSpPr>
+      <p:sp>
+        <p:nvSpPr>
+          <p:cNvPr id="2" name="Titre 1">
+            <a:extLst>
+              <a:ext uri="{FF2B5EF4-FFF2-40B4-BE49-F238E27FC236}">
+                <a16:creationId xmlns:a16="http://schemas.microsoft.com/office/drawing/2014/main" id="{0DBDB1D4-6C27-4E70-FD0F-D86767134636}"/>
+              </a:ext>
+            </a:extLst>
+          </p:cNvPr>
+          <p:cNvSpPr>
+            <a:spLocks noGrp="1"/>
+          </p:cNvSpPr>
+          <p:nvPr>
+            <p:ph type="title"/>
+          </p:nvPr>
+        </p:nvSpPr>
+        <p:spPr/>
+        <p:txBody>
+          <a:bodyPr/>
+          <a:lstStyle/>
+          <a:p>
+            <a:r>
+              <a:rPr lang="fr-FR" dirty="0"/>
+              <a:t>Fonctionnement </a:t>
+            </a:r>
+          </a:p>
+        </p:txBody>
+      </p:sp>
+      <p:sp>
+        <p:nvSpPr>
+          <p:cNvPr id="3" name="Espace réservé du contenu 2">
+            <a:extLst>
+              <a:ext uri="{FF2B5EF4-FFF2-40B4-BE49-F238E27FC236}">
+                <a16:creationId xmlns:a16="http://schemas.microsoft.com/office/drawing/2014/main" id="{742623D4-2BEF-4824-3FC9-A12FB6AD78C2}"/>
+              </a:ext>
+            </a:extLst>
+          </p:cNvPr>
+          <p:cNvSpPr>
+            <a:spLocks noGrp="1"/>
+          </p:cNvSpPr>
+          <p:nvPr>
+            <p:ph idx="1"/>
+          </p:nvPr>
+        </p:nvSpPr>
+        <p:spPr/>
+        <p:txBody>
+          <a:bodyPr/>
+          <a:lstStyle/>
+          <a:p>
+            <a:pPr marL="342900" indent="-342900">
+              <a:buFont typeface="Arial" panose="020B0604020202020204" pitchFamily="34" charset="0"/>
+              <a:buChar char="•"/>
+            </a:pPr>
+            <a:r>
+              <a:rPr lang="fr-FR" dirty="0"/>
+              <a:t>Script génération positions </a:t>
+            </a:r>
+          </a:p>
+          <a:p>
+            <a:pPr marL="571500" lvl="1" indent="-342900">
+              <a:buFont typeface="Arial" panose="020B0604020202020204" pitchFamily="34" charset="0"/>
+              <a:buChar char="•"/>
+            </a:pPr>
+            <a:r>
+              <a:rPr lang="fr-FR" dirty="0"/>
+              <a:t>Vérification du mode choisi</a:t>
+            </a:r>
+          </a:p>
+          <a:p>
+            <a:pPr marL="571500" lvl="1" indent="-342900">
+              <a:buFont typeface="Arial" panose="020B0604020202020204" pitchFamily="34" charset="0"/>
+              <a:buChar char="•"/>
+            </a:pPr>
+            <a:r>
+              <a:rPr lang="fr-FR" dirty="0"/>
+              <a:t>Départ (0.25,0.25)</a:t>
+            </a:r>
+          </a:p>
+          <a:p>
+            <a:pPr marL="571500" lvl="1" indent="-342900">
+              <a:buFont typeface="Arial" panose="020B0604020202020204" pitchFamily="34" charset="0"/>
+              <a:buChar char="•"/>
+            </a:pPr>
+            <a:r>
+              <a:rPr lang="fr-FR" dirty="0"/>
+              <a:t>Ajout ½ fois 0.5 à x ou y</a:t>
+            </a:r>
+          </a:p>
+          <a:p>
+            <a:pPr marL="571500" lvl="1" indent="-342900">
+              <a:buFont typeface="Arial" panose="020B0604020202020204" pitchFamily="34" charset="0"/>
+              <a:buChar char="•"/>
+            </a:pPr>
+            <a:r>
+              <a:rPr lang="fr-FR" dirty="0"/>
+              <a:t>Distances aux trois capteurs pour cette position </a:t>
+            </a:r>
+          </a:p>
+          <a:p>
+            <a:pPr marL="571500" lvl="1" indent="-342900">
+              <a:buFont typeface="Arial" panose="020B0604020202020204" pitchFamily="34" charset="0"/>
+              <a:buChar char="•"/>
+            </a:pPr>
+            <a:r>
+              <a:rPr lang="fr-FR" dirty="0"/>
+              <a:t>Conversion binaire </a:t>
+            </a:r>
+          </a:p>
+          <a:p>
+            <a:pPr marL="571500" lvl="1" indent="-342900">
+              <a:buFont typeface="Arial" panose="020B0604020202020204" pitchFamily="34" charset="0"/>
+              <a:buChar char="•"/>
+            </a:pPr>
+            <a:r>
+              <a:rPr lang="fr-FR" dirty="0"/>
+              <a:t>Envoi sur topic des capteurs choisis (mode 1, 2 ou 3)</a:t>
+            </a:r>
+          </a:p>
+        </p:txBody>
+      </p:sp>
+      <p:sp>
+        <p:nvSpPr>
+          <p:cNvPr id="4" name="Espace réservé du numéro de diapositive 3">
+            <a:extLst>
+              <a:ext uri="{FF2B5EF4-FFF2-40B4-BE49-F238E27FC236}">
+                <a16:creationId xmlns:a16="http://schemas.microsoft.com/office/drawing/2014/main" id="{A9ACBB5D-821D-C44F-BECB-B81B9ED20D46}"/>
+              </a:ext>
+            </a:extLst>
+          </p:cNvPr>
+          <p:cNvSpPr>
+            <a:spLocks noGrp="1"/>
+          </p:cNvSpPr>
+          <p:nvPr>
+            <p:ph type="sldNum" sz="quarter" idx="12"/>
+          </p:nvPr>
+        </p:nvSpPr>
+        <p:spPr/>
+        <p:txBody>
+          <a:bodyPr/>
+          <a:lstStyle/>
+          <a:p>
+            <a:fld id="{1F646F3F-274D-499B-ABBE-824EB4ABDC3D}" type="slidenum">
+              <a:rPr lang="en-US" smtClean="0"/>
+              <a:t>7</a:t>
+            </a:fld>
+            <a:endParaRPr lang="en-US"/>
+          </a:p>
+        </p:txBody>
+      </p:sp>
+      <p:sp>
+        <p:nvSpPr>
+          <p:cNvPr id="5" name="ZoneTexte 4">
+            <a:extLst>
+              <a:ext uri="{FF2B5EF4-FFF2-40B4-BE49-F238E27FC236}">
+                <a16:creationId xmlns:a16="http://schemas.microsoft.com/office/drawing/2014/main" id="{F21C80FA-261F-62AC-8895-5F3AD5883210}"/>
+              </a:ext>
+            </a:extLst>
+          </p:cNvPr>
+          <p:cNvSpPr txBox="1"/>
+          <p:nvPr/>
+        </p:nvSpPr>
+        <p:spPr>
+          <a:xfrm>
+            <a:off x="1020618" y="136525"/>
+            <a:ext cx="10150764" cy="338554"/>
+          </a:xfrm>
+          <a:prstGeom prst="rect">
+            <a:avLst/>
+          </a:prstGeom>
+          <a:noFill/>
+        </p:spPr>
+        <p:txBody>
+          <a:bodyPr wrap="square" rtlCol="0">
+            <a:spAutoFit/>
+          </a:bodyPr>
+          <a:lstStyle/>
+          <a:p>
+            <a:pPr algn="ctr"/>
+            <a:r>
+              <a:rPr lang="fr-FR" sz="1600" dirty="0"/>
+              <a:t>Contexte | Moyens techniques | Workflow | </a:t>
+            </a:r>
+            <a:r>
+              <a:rPr lang="fr-FR" sz="1600" dirty="0">
+                <a:solidFill>
+                  <a:srgbClr val="0070C0"/>
+                </a:solidFill>
+              </a:rPr>
+              <a:t>Fonctionnement</a:t>
+            </a:r>
+            <a:r>
+              <a:rPr lang="fr-FR" sz="1600" dirty="0"/>
+              <a:t> | Démonstration | Conclusion  </a:t>
+            </a:r>
+          </a:p>
+        </p:txBody>
+      </p:sp>
+    </p:spTree>
+    <p:extLst>
+      <p:ext uri="{BB962C8B-B14F-4D97-AF65-F5344CB8AC3E}">
+        <p14:creationId xmlns:p14="http://schemas.microsoft.com/office/powerpoint/2010/main" val="17069863"/>
+      </p:ext>
+    </p:extLst>
+  </p:cSld>
+  <p:clrMapOvr>
+    <a:masterClrMapping/>
+  </p:clrMapOvr>
+  <mc:AlternateContent xmlns:mc="http://schemas.openxmlformats.org/markup-compatibility/2006">
+    <mc:Choice xmlns:p14="http://schemas.microsoft.com/office/powerpoint/2010/main" Requires="p14">
+      <p:transition spd="med" p14:dur="700">
+        <p:fade/>
+      </p:transition>
+    </mc:Choice>
+    <mc:Fallback>
+      <p:transition spd="med">
+        <p:fade/>
+      </p:transition>
+    </mc:Fallback>
+  </mc:AlternateContent>
+</p:sld>
+</file>
+
+<file path=ppt/slides/slide8.xml><?xml version="1.0" encoding="utf-8"?>
+<p:sld xmlns:a="http://schemas.openxmlformats.org/drawingml/2006/main" xmlns:r="http://schemas.openxmlformats.org/officeDocument/2006/relationships" xmlns:p="http://schemas.openxmlformats.org/presentationml/2006/main">
+  <p:cSld>
+    <p:spTree>
+      <p:nvGrpSpPr>
+        <p:cNvPr id="1" name=""/>
+        <p:cNvGrpSpPr/>
+        <p:nvPr/>
+      </p:nvGrpSpPr>
+      <p:grpSpPr>
+        <a:xfrm>
+          <a:off x="0" y="0"/>
+          <a:ext cx="0" cy="0"/>
+          <a:chOff x="0" y="0"/>
+          <a:chExt cx="0" cy="0"/>
+        </a:xfrm>
+      </p:grpSpPr>
+      <p:sp>
+        <p:nvSpPr>
+          <p:cNvPr id="2" name="Titre 1">
+            <a:extLst>
+              <a:ext uri="{FF2B5EF4-FFF2-40B4-BE49-F238E27FC236}">
+                <a16:creationId xmlns:a16="http://schemas.microsoft.com/office/drawing/2014/main" id="{B062F239-E0BA-4100-E3CD-055BC9B849D7}"/>
+              </a:ext>
+            </a:extLst>
+          </p:cNvPr>
+          <p:cNvSpPr>
+            <a:spLocks noGrp="1"/>
+          </p:cNvSpPr>
+          <p:nvPr>
+            <p:ph type="title"/>
+          </p:nvPr>
+        </p:nvSpPr>
+        <p:spPr/>
+        <p:txBody>
+          <a:bodyPr/>
+          <a:lstStyle/>
+          <a:p>
+            <a:r>
+              <a:rPr lang="fr-FR" dirty="0"/>
+              <a:t>Fonctionnement</a:t>
+            </a:r>
+          </a:p>
+        </p:txBody>
+      </p:sp>
+      <p:sp>
+        <p:nvSpPr>
+          <p:cNvPr id="3" name="Espace réservé du contenu 2">
+            <a:extLst>
+              <a:ext uri="{FF2B5EF4-FFF2-40B4-BE49-F238E27FC236}">
+                <a16:creationId xmlns:a16="http://schemas.microsoft.com/office/drawing/2014/main" id="{B7895DB9-F36C-01CD-1DDF-FF8CB7D5107B}"/>
+              </a:ext>
+            </a:extLst>
+          </p:cNvPr>
+          <p:cNvSpPr>
+            <a:spLocks noGrp="1"/>
+          </p:cNvSpPr>
+          <p:nvPr>
+            <p:ph idx="1"/>
+          </p:nvPr>
+        </p:nvSpPr>
+        <p:spPr/>
+        <p:txBody>
+          <a:bodyPr/>
+          <a:lstStyle/>
+          <a:p>
+            <a:pPr marL="342900" indent="-342900">
+              <a:buFont typeface="Arial" panose="020B0604020202020204" pitchFamily="34" charset="0"/>
+              <a:buChar char="•"/>
+            </a:pPr>
+            <a:r>
+              <a:rPr lang="fr-FR" dirty="0"/>
+              <a:t>Script réception positions</a:t>
+            </a:r>
+          </a:p>
+          <a:p>
+            <a:pPr marL="571500" lvl="1" indent="-342900">
+              <a:buFont typeface="Arial" panose="020B0604020202020204" pitchFamily="34" charset="0"/>
+              <a:buChar char="•"/>
+            </a:pPr>
+            <a:r>
+              <a:rPr lang="fr-FR" dirty="0"/>
+              <a:t>Ecoute de tout les topics</a:t>
+            </a:r>
+          </a:p>
+          <a:p>
+            <a:pPr marL="571500" lvl="1" indent="-342900">
+              <a:buFont typeface="Arial" panose="020B0604020202020204" pitchFamily="34" charset="0"/>
+              <a:buChar char="•"/>
+            </a:pPr>
+            <a:r>
+              <a:rPr lang="fr-FR" dirty="0"/>
+              <a:t>En fonction des données reçues :</a:t>
+            </a:r>
+          </a:p>
+          <a:p>
+            <a:pPr marL="800100" lvl="2" indent="-342900">
+              <a:buFont typeface="Arial" panose="020B0604020202020204" pitchFamily="34" charset="0"/>
+              <a:buChar char="•"/>
+            </a:pPr>
+            <a:r>
+              <a:rPr lang="fr-FR" dirty="0"/>
+              <a:t> Décodage du binaire </a:t>
+            </a:r>
+          </a:p>
+          <a:p>
+            <a:pPr marL="800100" lvl="2" indent="-342900">
+              <a:buFont typeface="Arial" panose="020B0604020202020204" pitchFamily="34" charset="0"/>
+              <a:buChar char="•"/>
+            </a:pPr>
+            <a:r>
+              <a:rPr lang="fr-FR" dirty="0"/>
+              <a:t> Comparaison des distances avec la BD</a:t>
+            </a:r>
+          </a:p>
+          <a:p>
+            <a:pPr marL="800100" lvl="2" indent="-342900">
+              <a:buFont typeface="Arial" panose="020B0604020202020204" pitchFamily="34" charset="0"/>
+              <a:buChar char="•"/>
+            </a:pPr>
+            <a:r>
+              <a:rPr lang="fr-FR" dirty="0"/>
+              <a:t> Insertion des coordonnés dans la table « mesure » (si 3 capteurs)</a:t>
+            </a:r>
+          </a:p>
+          <a:p>
+            <a:pPr marL="800100" lvl="2" indent="-342900">
+              <a:buFont typeface="Arial" panose="020B0604020202020204" pitchFamily="34" charset="0"/>
+              <a:buChar char="•"/>
+            </a:pPr>
+            <a:r>
+              <a:rPr lang="fr-FR" dirty="0"/>
+              <a:t> Insertion des messages de pannes de capteurs et coordonnés possibles (si nombre de capteurs &lt; 3)</a:t>
+            </a:r>
+          </a:p>
+        </p:txBody>
+      </p:sp>
+      <p:sp>
+        <p:nvSpPr>
+          <p:cNvPr id="4" name="Espace réservé du numéro de diapositive 3">
+            <a:extLst>
+              <a:ext uri="{FF2B5EF4-FFF2-40B4-BE49-F238E27FC236}">
+                <a16:creationId xmlns:a16="http://schemas.microsoft.com/office/drawing/2014/main" id="{3B80EE33-2BA6-D73D-C7FB-C0A8010A3F57}"/>
+              </a:ext>
+            </a:extLst>
+          </p:cNvPr>
+          <p:cNvSpPr>
+            <a:spLocks noGrp="1"/>
+          </p:cNvSpPr>
+          <p:nvPr>
+            <p:ph type="sldNum" sz="quarter" idx="12"/>
+          </p:nvPr>
+        </p:nvSpPr>
+        <p:spPr/>
+        <p:txBody>
+          <a:bodyPr/>
+          <a:lstStyle/>
+          <a:p>
+            <a:fld id="{1F646F3F-274D-499B-ABBE-824EB4ABDC3D}" type="slidenum">
+              <a:rPr lang="en-US" smtClean="0"/>
+              <a:t>8</a:t>
+            </a:fld>
+            <a:endParaRPr lang="en-US"/>
+          </a:p>
+        </p:txBody>
+      </p:sp>
+      <p:sp>
+        <p:nvSpPr>
+          <p:cNvPr id="5" name="ZoneTexte 4">
+            <a:extLst>
+              <a:ext uri="{FF2B5EF4-FFF2-40B4-BE49-F238E27FC236}">
+                <a16:creationId xmlns:a16="http://schemas.microsoft.com/office/drawing/2014/main" id="{D0D496B8-BB89-91F6-F4F2-6F4B6B00C309}"/>
+              </a:ext>
+            </a:extLst>
+          </p:cNvPr>
+          <p:cNvSpPr txBox="1"/>
+          <p:nvPr/>
+        </p:nvSpPr>
+        <p:spPr>
+          <a:xfrm>
+            <a:off x="1020618" y="136525"/>
+            <a:ext cx="10150764" cy="338554"/>
+          </a:xfrm>
+          <a:prstGeom prst="rect">
+            <a:avLst/>
+          </a:prstGeom>
+          <a:noFill/>
+        </p:spPr>
+        <p:txBody>
+          <a:bodyPr wrap="square" rtlCol="0">
+            <a:spAutoFit/>
+          </a:bodyPr>
+          <a:lstStyle/>
+          <a:p>
+            <a:pPr algn="ctr"/>
+            <a:r>
+              <a:rPr lang="fr-FR" sz="1600" dirty="0"/>
+              <a:t>Contexte | Moyens techniques | Workflow | </a:t>
+            </a:r>
+            <a:r>
+              <a:rPr lang="fr-FR" sz="1600" dirty="0">
+                <a:solidFill>
+                  <a:srgbClr val="0070C0"/>
+                </a:solidFill>
+              </a:rPr>
+              <a:t>Fonctionnement</a:t>
+            </a:r>
+            <a:r>
+              <a:rPr lang="fr-FR" sz="1600" dirty="0"/>
+              <a:t> | Démonstration | Conclusion  </a:t>
+            </a:r>
+          </a:p>
+        </p:txBody>
+      </p:sp>
+    </p:spTree>
+    <p:extLst>
+      <p:ext uri="{BB962C8B-B14F-4D97-AF65-F5344CB8AC3E}">
+        <p14:creationId xmlns:p14="http://schemas.microsoft.com/office/powerpoint/2010/main" val="73966839"/>
+      </p:ext>
+    </p:extLst>
+  </p:cSld>
+  <p:clrMapOvr>
+    <a:masterClrMapping/>
+  </p:clrMapOvr>
+  <mc:AlternateContent xmlns:mc="http://schemas.openxmlformats.org/markup-compatibility/2006">
+    <mc:Choice xmlns:p14="http://schemas.microsoft.com/office/powerpoint/2010/main" Requires="p14">
+      <p:transition spd="med" p14:dur="700">
+        <p:fade/>
+      </p:transition>
+    </mc:Choice>
+    <mc:Fallback>
+      <p:transition spd="med">
+        <p:fade/>
+      </p:transition>
+    </mc:Fallback>
+  </mc:AlternateContent>
+</p:sld>
+</file>
+
+<file path=ppt/slides/slide9.xml><?xml version="1.0" encoding="utf-8"?>
+<p:sld xmlns:a="http://schemas.openxmlformats.org/drawingml/2006/main" xmlns:r="http://schemas.openxmlformats.org/officeDocument/2006/relationships" xmlns:p="http://schemas.openxmlformats.org/presentationml/2006/main">
+  <p:cSld>
+    <p:spTree>
+      <p:nvGrpSpPr>
+        <p:cNvPr id="1" name=""/>
+        <p:cNvGrpSpPr/>
+        <p:nvPr/>
+      </p:nvGrpSpPr>
+      <p:grpSpPr>
+        <a:xfrm>
+          <a:off x="0" y="0"/>
+          <a:ext cx="0" cy="0"/>
+          <a:chOff x="0" y="0"/>
+          <a:chExt cx="0" cy="0"/>
+        </a:xfrm>
+      </p:grpSpPr>
+      <p:sp>
+        <p:nvSpPr>
+          <p:cNvPr id="2" name="Titre 1">
+            <a:extLst>
+              <a:ext uri="{FF2B5EF4-FFF2-40B4-BE49-F238E27FC236}">
+                <a16:creationId xmlns:a16="http://schemas.microsoft.com/office/drawing/2014/main" id="{60C88FD8-AB9C-BADD-F50F-A477907423C8}"/>
+              </a:ext>
+            </a:extLst>
+          </p:cNvPr>
+          <p:cNvSpPr>
+            <a:spLocks noGrp="1"/>
+          </p:cNvSpPr>
+          <p:nvPr>
+            <p:ph type="title"/>
+          </p:nvPr>
+        </p:nvSpPr>
+        <p:spPr/>
+        <p:txBody>
+          <a:bodyPr/>
+          <a:lstStyle/>
+          <a:p>
+            <a:r>
+              <a:rPr lang="fr-FR" dirty="0"/>
+              <a:t>Fonctionnement</a:t>
+            </a:r>
+          </a:p>
+        </p:txBody>
+      </p:sp>
+      <p:sp>
+        <p:nvSpPr>
+          <p:cNvPr id="3" name="Espace réservé du contenu 2">
+            <a:extLst>
+              <a:ext uri="{FF2B5EF4-FFF2-40B4-BE49-F238E27FC236}">
+                <a16:creationId xmlns:a16="http://schemas.microsoft.com/office/drawing/2014/main" id="{623208A7-04A2-54AC-CF34-920310E59908}"/>
+              </a:ext>
+            </a:extLst>
+          </p:cNvPr>
+          <p:cNvSpPr>
+            <a:spLocks noGrp="1"/>
+          </p:cNvSpPr>
+          <p:nvPr>
+            <p:ph idx="1"/>
+          </p:nvPr>
+        </p:nvSpPr>
+        <p:spPr>
+          <a:xfrm>
+            <a:off x="6742545" y="2087731"/>
+            <a:ext cx="4682836" cy="1939323"/>
+          </a:xfrm>
+        </p:spPr>
+        <p:txBody>
+          <a:bodyPr/>
+          <a:lstStyle/>
+          <a:p>
+            <a:pPr marL="342900" indent="-342900">
+              <a:buFont typeface="Arial" panose="020B0604020202020204" pitchFamily="34" charset="0"/>
+              <a:buChar char="•"/>
+            </a:pPr>
+            <a:r>
+              <a:rPr lang="fr-FR" dirty="0"/>
+              <a:t>100% Docker</a:t>
+            </a:r>
+          </a:p>
+          <a:p>
+            <a:pPr marL="342900" indent="-342900">
+              <a:buFont typeface="Arial" panose="020B0604020202020204" pitchFamily="34" charset="0"/>
+              <a:buChar char="•"/>
+            </a:pPr>
+            <a:r>
+              <a:rPr lang="fr-FR" dirty="0"/>
+              <a:t>Sur Raspberry Pi 3 </a:t>
+            </a:r>
+          </a:p>
+          <a:p>
+            <a:pPr marL="342900" indent="-342900">
+              <a:buFont typeface="Arial" panose="020B0604020202020204" pitchFamily="34" charset="0"/>
+              <a:buChar char="•"/>
+            </a:pPr>
+            <a:r>
+              <a:rPr lang="fr-FR" dirty="0"/>
+              <a:t>Déployable en une commande</a:t>
+            </a:r>
+          </a:p>
+          <a:p>
+            <a:pPr marL="342900" indent="-342900">
+              <a:buFont typeface="Arial" panose="020B0604020202020204" pitchFamily="34" charset="0"/>
+              <a:buChar char="•"/>
+            </a:pPr>
+            <a:r>
+              <a:rPr lang="fr-FR" dirty="0"/>
+              <a:t>Persistance de la base de donnée</a:t>
+            </a:r>
+          </a:p>
+        </p:txBody>
+      </p:sp>
+      <p:sp>
+        <p:nvSpPr>
+          <p:cNvPr id="4" name="Espace réservé du numéro de diapositive 3">
+            <a:extLst>
+              <a:ext uri="{FF2B5EF4-FFF2-40B4-BE49-F238E27FC236}">
+                <a16:creationId xmlns:a16="http://schemas.microsoft.com/office/drawing/2014/main" id="{E2FEB776-9A09-8DCE-E074-3878DFB60077}"/>
+              </a:ext>
+            </a:extLst>
+          </p:cNvPr>
+          <p:cNvSpPr>
+            <a:spLocks noGrp="1"/>
+          </p:cNvSpPr>
+          <p:nvPr>
+            <p:ph type="sldNum" sz="quarter" idx="12"/>
+          </p:nvPr>
+        </p:nvSpPr>
+        <p:spPr/>
+        <p:txBody>
+          <a:bodyPr/>
+          <a:lstStyle/>
+          <a:p>
+            <a:fld id="{1F646F3F-274D-499B-ABBE-824EB4ABDC3D}" type="slidenum">
+              <a:rPr lang="en-US" smtClean="0"/>
+              <a:t>9</a:t>
+            </a:fld>
+            <a:endParaRPr lang="en-US"/>
+          </a:p>
+        </p:txBody>
+      </p:sp>
+      <p:pic>
+        <p:nvPicPr>
+          <p:cNvPr id="6" name="Image 5">
+            <a:extLst>
+              <a:ext uri="{FF2B5EF4-FFF2-40B4-BE49-F238E27FC236}">
+                <a16:creationId xmlns:a16="http://schemas.microsoft.com/office/drawing/2014/main" id="{9C4D4103-A2A5-3846-D02D-C7D98609AFBB}"/>
+              </a:ext>
+            </a:extLst>
+          </p:cNvPr>
+          <p:cNvPicPr>
+            <a:picLocks noChangeAspect="1"/>
+          </p:cNvPicPr>
+          <p:nvPr/>
+        </p:nvPicPr>
+        <p:blipFill rotWithShape="1">
+          <a:blip r:embed="rId2"/>
+          <a:srcRect b="6657"/>
+          <a:stretch/>
+        </p:blipFill>
+        <p:spPr>
+          <a:xfrm>
+            <a:off x="609600" y="2136222"/>
+            <a:ext cx="5281045" cy="1418726"/>
+          </a:xfrm>
+          <a:prstGeom prst="rect">
+            <a:avLst/>
+          </a:prstGeom>
+          <a:ln>
+            <a:noFill/>
+          </a:ln>
+          <a:effectLst>
+            <a:outerShdw blurRad="190500" algn="tl" rotWithShape="0">
+              <a:srgbClr val="000000">
+                <a:alpha val="70000"/>
+              </a:srgbClr>
+            </a:outerShdw>
+          </a:effectLst>
+        </p:spPr>
+      </p:pic>
+      <p:pic>
+        <p:nvPicPr>
+          <p:cNvPr id="8" name="Image 7">
+            <a:extLst>
+              <a:ext uri="{FF2B5EF4-FFF2-40B4-BE49-F238E27FC236}">
+                <a16:creationId xmlns:a16="http://schemas.microsoft.com/office/drawing/2014/main" id="{14E70F35-1012-E0D6-1848-365C4366C8C9}"/>
+              </a:ext>
+            </a:extLst>
+          </p:cNvPr>
+          <p:cNvPicPr>
+            <a:picLocks noChangeAspect="1"/>
+          </p:cNvPicPr>
+          <p:nvPr/>
+        </p:nvPicPr>
+        <p:blipFill rotWithShape="1">
+          <a:blip r:embed="rId3"/>
+          <a:srcRect r="13030" b="10901"/>
+          <a:stretch/>
+        </p:blipFill>
+        <p:spPr>
+          <a:xfrm>
+            <a:off x="794327" y="4279929"/>
+            <a:ext cx="10603345" cy="1939104"/>
+          </a:xfrm>
+          <a:prstGeom prst="rect">
+            <a:avLst/>
+          </a:prstGeom>
+          <a:ln>
+            <a:noFill/>
+          </a:ln>
+          <a:effectLst>
+            <a:outerShdw blurRad="190500" algn="tl" rotWithShape="0">
+              <a:srgbClr val="000000">
+                <a:alpha val="70000"/>
+              </a:srgbClr>
+            </a:outerShdw>
+          </a:effectLst>
+        </p:spPr>
+      </p:pic>
+      <p:sp>
+        <p:nvSpPr>
+          <p:cNvPr id="9" name="ZoneTexte 8">
+            <a:extLst>
+              <a:ext uri="{FF2B5EF4-FFF2-40B4-BE49-F238E27FC236}">
+                <a16:creationId xmlns:a16="http://schemas.microsoft.com/office/drawing/2014/main" id="{AF37D528-31CE-6FB5-99AD-4EDEF4135F2E}"/>
+              </a:ext>
+            </a:extLst>
+          </p:cNvPr>
+          <p:cNvSpPr txBox="1"/>
+          <p:nvPr/>
+        </p:nvSpPr>
+        <p:spPr>
+          <a:xfrm>
+            <a:off x="1020618" y="136525"/>
+            <a:ext cx="10150764" cy="338554"/>
+          </a:xfrm>
+          <a:prstGeom prst="rect">
+            <a:avLst/>
+          </a:prstGeom>
+          <a:noFill/>
+        </p:spPr>
+        <p:txBody>
+          <a:bodyPr wrap="square" rtlCol="0">
+            <a:spAutoFit/>
+          </a:bodyPr>
+          <a:lstStyle/>
+          <a:p>
+            <a:pPr algn="ctr"/>
+            <a:r>
+              <a:rPr lang="fr-FR" sz="1600" dirty="0"/>
+              <a:t>Contexte | Moyens techniques | Workflow | </a:t>
+            </a:r>
+            <a:r>
+              <a:rPr lang="fr-FR" sz="1600" dirty="0">
+                <a:solidFill>
+                  <a:srgbClr val="0070C0"/>
+                </a:solidFill>
+              </a:rPr>
+              <a:t>Fonctionnement</a:t>
+            </a:r>
+            <a:r>
+              <a:rPr lang="fr-FR" sz="1600" dirty="0"/>
+              <a:t> | Démonstration | Conclusion  </a:t>
+            </a:r>
+          </a:p>
+        </p:txBody>
+      </p:sp>
+    </p:spTree>
+    <p:extLst>
+      <p:ext uri="{BB962C8B-B14F-4D97-AF65-F5344CB8AC3E}">
+        <p14:creationId xmlns:p14="http://schemas.microsoft.com/office/powerpoint/2010/main" val="1862291283"/>
+      </p:ext>
+    </p:extLst>
+  </p:cSld>
+  <p:clrMapOvr>
+    <a:masterClrMapping/>
+  </p:clrMapOvr>
+  <mc:AlternateContent xmlns:mc="http://schemas.openxmlformats.org/markup-compatibility/2006">
+    <mc:Choice xmlns:p14="http://schemas.microsoft.com/office/powerpoint/2010/main" Requires="p14">
+      <p:transition spd="med" p14:dur="700">
+        <p:fade/>
+      </p:transition>
+    </mc:Choice>
+    <mc:Fallback>
+      <p:transition spd="med">
+        <p:fade/>
+      </p:transition>
+    </mc:Fallback>
+  </mc:AlternateContent>
 </p:sld>
 </file>
 
@@ -6094,4 +7724,299 @@
     </a:ext>
   </a:extLst>
 </a:theme>
+</file>
+
+<file path=ppt/theme/theme2.xml><?xml version="1.0" encoding="utf-8"?>
+<a:theme xmlns:a="http://schemas.openxmlformats.org/drawingml/2006/main" name="Thème Office">
+  <a:themeElements>
+    <a:clrScheme name="Office">
+      <a:dk1>
+        <a:sysClr val="windowText" lastClr="000000"/>
+      </a:dk1>
+      <a:lt1>
+        <a:sysClr val="window" lastClr="FFFFFF"/>
+      </a:lt1>
+      <a:dk2>
+        <a:srgbClr val="44546A"/>
+      </a:dk2>
+      <a:lt2>
+        <a:srgbClr val="E7E6E6"/>
+      </a:lt2>
+      <a:accent1>
+        <a:srgbClr val="4472C4"/>
+      </a:accent1>
+      <a:accent2>
+        <a:srgbClr val="ED7D31"/>
+      </a:accent2>
+      <a:accent3>
+        <a:srgbClr val="A5A5A5"/>
+      </a:accent3>
+      <a:accent4>
+        <a:srgbClr val="FFC000"/>
+      </a:accent4>
+      <a:accent5>
+        <a:srgbClr val="5B9BD5"/>
+      </a:accent5>
+      <a:accent6>
+        <a:srgbClr val="70AD47"/>
+      </a:accent6>
+      <a:hlink>
+        <a:srgbClr val="0563C1"/>
+      </a:hlink>
+      <a:folHlink>
+        <a:srgbClr val="954F72"/>
+      </a:folHlink>
+    </a:clrScheme>
+    <a:fontScheme name="Office">
+      <a:majorFont>
+        <a:latin typeface="Calibri Light" panose="020F0302020204030204"/>
+        <a:ea typeface=""/>
+        <a:cs typeface=""/>
+        <a:font script="Jpan" typeface="游ゴシック Light"/>
+        <a:font script="Hang" typeface="맑은 고딕"/>
+        <a:font script="Hans" typeface="等线 Light"/>
+        <a:font script="Hant" typeface="新細明體"/>
+        <a:font script="Arab" typeface="Times New Roman"/>
+        <a:font script="Hebr" typeface="Times New Roman"/>
+        <a:font script="Thai" typeface="Angsana New"/>
+        <a:font script="Ethi" typeface="Nyala"/>
+        <a:font script="Beng" typeface="Vrinda"/>
+        <a:font script="Gujr" typeface="Shruti"/>
+        <a:font script="Khmr" typeface="MoolBoran"/>
+        <a:font script="Knda" typeface="Tunga"/>
+        <a:font script="Guru" typeface="Raavi"/>
+        <a:font script="Cans" typeface="Euphemia"/>
+        <a:font script="Cher" typeface="Plantagenet Cherokee"/>
+        <a:font script="Yiii" typeface="Microsoft Yi Baiti"/>
+        <a:font script="Tibt" typeface="Microsoft Himalaya"/>
+        <a:font script="Thaa" typeface="MV Boli"/>
+        <a:font script="Deva" typeface="Mangal"/>
+        <a:font script="Telu" typeface="Gautami"/>
+        <a:font script="Taml" typeface="Latha"/>
+        <a:font script="Syrc" typeface="Estrangelo Edessa"/>
+        <a:font script="Orya" typeface="Kalinga"/>
+        <a:font script="Mlym" typeface="Kartika"/>
+        <a:font script="Laoo" typeface="DokChampa"/>
+        <a:font script="Sinh" typeface="Iskoola Pota"/>
+        <a:font script="Mong" typeface="Mongolian Baiti"/>
+        <a:font script="Viet" typeface="Times New Roman"/>
+        <a:font script="Uigh" typeface="Microsoft Uighur"/>
+        <a:font script="Geor" typeface="Sylfaen"/>
+        <a:font script="Armn" typeface="Arial"/>
+        <a:font script="Bugi" typeface="Leelawadee UI"/>
+        <a:font script="Bopo" typeface="Microsoft JhengHei"/>
+        <a:font script="Java" typeface="Javanese Text"/>
+        <a:font script="Lisu" typeface="Segoe UI"/>
+        <a:font script="Mymr" typeface="Myanmar Text"/>
+        <a:font script="Nkoo" typeface="Ebrima"/>
+        <a:font script="Olck" typeface="Nirmala UI"/>
+        <a:font script="Osma" typeface="Ebrima"/>
+        <a:font script="Phag" typeface="Phagspa"/>
+        <a:font script="Syrn" typeface="Estrangelo Edessa"/>
+        <a:font script="Syrj" typeface="Estrangelo Edessa"/>
+        <a:font script="Syre" typeface="Estrangelo Edessa"/>
+        <a:font script="Sora" typeface="Nirmala UI"/>
+        <a:font script="Tale" typeface="Microsoft Tai Le"/>
+        <a:font script="Talu" typeface="Microsoft New Tai Lue"/>
+        <a:font script="Tfng" typeface="Ebrima"/>
+      </a:majorFont>
+      <a:minorFont>
+        <a:latin typeface="Calibri" panose="020F0502020204030204"/>
+        <a:ea typeface=""/>
+        <a:cs typeface=""/>
+        <a:font script="Jpan" typeface="游ゴシック"/>
+        <a:font script="Hang" typeface="맑은 고딕"/>
+        <a:font script="Hans" typeface="等线"/>
+        <a:font script="Hant" typeface="新細明體"/>
+        <a:font script="Arab" typeface="Arial"/>
+        <a:font script="Hebr" typeface="Arial"/>
+        <a:font script="Thai" typeface="Cordia New"/>
+        <a:font script="Ethi" typeface="Nyala"/>
+        <a:font script="Beng" typeface="Vrinda"/>
+        <a:font script="Gujr" typeface="Shruti"/>
+        <a:font script="Khmr" typeface="DaunPenh"/>
+        <a:font script="Knda" typeface="Tunga"/>
+        <a:font script="Guru" typeface="Raavi"/>
+        <a:font script="Cans" typeface="Euphemia"/>
+        <a:font script="Cher" typeface="Plantagenet Cherokee"/>
+        <a:font script="Yiii" typeface="Microsoft Yi Baiti"/>
+        <a:font script="Tibt" typeface="Microsoft Himalaya"/>
+        <a:font script="Thaa" typeface="MV Boli"/>
+        <a:font script="Deva" typeface="Mangal"/>
+        <a:font script="Telu" typeface="Gautami"/>
+        <a:font script="Taml" typeface="Latha"/>
+        <a:font script="Syrc" typeface="Estrangelo Edessa"/>
+        <a:font script="Orya" typeface="Kalinga"/>
+        <a:font script="Mlym" typeface="Kartika"/>
+        <a:font script="Laoo" typeface="DokChampa"/>
+        <a:font script="Sinh" typeface="Iskoola Pota"/>
+        <a:font script="Mong" typeface="Mongolian Baiti"/>
+        <a:font script="Viet" typeface="Arial"/>
+        <a:font script="Uigh" typeface="Microsoft Uighur"/>
+        <a:font script="Geor" typeface="Sylfaen"/>
+        <a:font script="Armn" typeface="Arial"/>
+        <a:font script="Bugi" typeface="Leelawadee UI"/>
+        <a:font script="Bopo" typeface="Microsoft JhengHei"/>
+        <a:font script="Java" typeface="Javanese Text"/>
+        <a:font script="Lisu" typeface="Segoe UI"/>
+        <a:font script="Mymr" typeface="Myanmar Text"/>
+        <a:font script="Nkoo" typeface="Ebrima"/>
+        <a:font script="Olck" typeface="Nirmala UI"/>
+        <a:font script="Osma" typeface="Ebrima"/>
+        <a:font script="Phag" typeface="Phagspa"/>
+        <a:font script="Syrn" typeface="Estrangelo Edessa"/>
+        <a:font script="Syrj" typeface="Estrangelo Edessa"/>
+        <a:font script="Syre" typeface="Estrangelo Edessa"/>
+        <a:font script="Sora" typeface="Nirmala UI"/>
+        <a:font script="Tale" typeface="Microsoft Tai Le"/>
+        <a:font script="Talu" typeface="Microsoft New Tai Lue"/>
+        <a:font script="Tfng" typeface="Ebrima"/>
+      </a:minorFont>
+    </a:fontScheme>
+    <a:fmtScheme name="Office">
+      <a:fillStyleLst>
+        <a:solidFill>
+          <a:schemeClr val="phClr"/>
+        </a:solidFill>
+        <a:gradFill rotWithShape="1">
+          <a:gsLst>
+            <a:gs pos="0">
+              <a:schemeClr val="phClr">
+                <a:lumMod val="110000"/>
+                <a:satMod val="105000"/>
+                <a:tint val="67000"/>
+              </a:schemeClr>
+            </a:gs>
+            <a:gs pos="50000">
+              <a:schemeClr val="phClr">
+                <a:lumMod val="105000"/>
+                <a:satMod val="103000"/>
+                <a:tint val="73000"/>
+              </a:schemeClr>
+            </a:gs>
+            <a:gs pos="100000">
+              <a:schemeClr val="phClr">
+                <a:lumMod val="105000"/>
+                <a:satMod val="109000"/>
+                <a:tint val="81000"/>
+              </a:schemeClr>
+            </a:gs>
+          </a:gsLst>
+          <a:lin ang="5400000" scaled="0"/>
+        </a:gradFill>
+        <a:gradFill rotWithShape="1">
+          <a:gsLst>
+            <a:gs pos="0">
+              <a:schemeClr val="phClr">
+                <a:satMod val="103000"/>
+                <a:lumMod val="102000"/>
+                <a:tint val="94000"/>
+              </a:schemeClr>
+            </a:gs>
+            <a:gs pos="50000">
+              <a:schemeClr val="phClr">
+                <a:satMod val="110000"/>
+                <a:lumMod val="100000"/>
+                <a:shade val="100000"/>
+              </a:schemeClr>
+            </a:gs>
+            <a:gs pos="100000">
+              <a:schemeClr val="phClr">
+                <a:lumMod val="99000"/>
+                <a:satMod val="120000"/>
+                <a:shade val="78000"/>
+              </a:schemeClr>
+            </a:gs>
+          </a:gsLst>
+          <a:lin ang="5400000" scaled="0"/>
+        </a:gradFill>
+      </a:fillStyleLst>
+      <a:lnStyleLst>
+        <a:ln w="6350" cap="flat" cmpd="sng" algn="ctr">
+          <a:solidFill>
+            <a:schemeClr val="phClr"/>
+          </a:solidFill>
+          <a:prstDash val="solid"/>
+          <a:miter lim="800000"/>
+        </a:ln>
+        <a:ln w="12700" cap="flat" cmpd="sng" algn="ctr">
+          <a:solidFill>
+            <a:schemeClr val="phClr"/>
+          </a:solidFill>
+          <a:prstDash val="solid"/>
+          <a:miter lim="800000"/>
+        </a:ln>
+        <a:ln w="19050" cap="flat" cmpd="sng" algn="ctr">
+          <a:solidFill>
+            <a:schemeClr val="phClr"/>
+          </a:solidFill>
+          <a:prstDash val="solid"/>
+          <a:miter lim="800000"/>
+        </a:ln>
+      </a:lnStyleLst>
+      <a:effectStyleLst>
+        <a:effectStyle>
+          <a:effectLst/>
+        </a:effectStyle>
+        <a:effectStyle>
+          <a:effectLst/>
+        </a:effectStyle>
+        <a:effectStyle>
+          <a:effectLst>
+            <a:outerShdw blurRad="57150" dist="19050" dir="5400000" algn="ctr" rotWithShape="0">
+              <a:srgbClr val="000000">
+                <a:alpha val="63000"/>
+              </a:srgbClr>
+            </a:outerShdw>
+          </a:effectLst>
+        </a:effectStyle>
+      </a:effectStyleLst>
+      <a:bgFillStyleLst>
+        <a:solidFill>
+          <a:schemeClr val="phClr"/>
+        </a:solidFill>
+        <a:solidFill>
+          <a:schemeClr val="phClr">
+            <a:tint val="95000"/>
+            <a:satMod val="170000"/>
+          </a:schemeClr>
+        </a:solidFill>
+        <a:gradFill rotWithShape="1">
+          <a:gsLst>
+            <a:gs pos="0">
+              <a:schemeClr val="phClr">
+                <a:tint val="93000"/>
+                <a:satMod val="150000"/>
+                <a:shade val="98000"/>
+                <a:lumMod val="102000"/>
+              </a:schemeClr>
+            </a:gs>
+            <a:gs pos="50000">
+              <a:schemeClr val="phClr">
+                <a:tint val="98000"/>
+                <a:satMod val="130000"/>
+                <a:shade val="90000"/>
+                <a:lumMod val="103000"/>
+              </a:schemeClr>
+            </a:gs>
+            <a:gs pos="100000">
+              <a:schemeClr val="phClr">
+                <a:shade val="63000"/>
+                <a:satMod val="120000"/>
+              </a:schemeClr>
+            </a:gs>
+          </a:gsLst>
+          <a:lin ang="5400000" scaled="0"/>
+        </a:gradFill>
+      </a:bgFillStyleLst>
+    </a:fmtScheme>
+  </a:themeElements>
+  <a:objectDefaults/>
+  <a:extraClrSchemeLst/>
+  <a:extLst>
+    <a:ext uri="{05A4C25C-085E-4340-85A3-A5531E510DB2}">
+      <thm15:themeFamily xmlns:thm15="http://schemas.microsoft.com/office/thememl/2012/main" name="Office Theme" id="{62F939B6-93AF-4DB8-9C6B-D6C7DFDC589F}" vid="{4A3C46E8-61CC-4603-A589-7422A47A8E4A}"/>
+    </a:ext>
+  </a:extLst>
+</a:theme>
 </file>